--- a/Хакатон_УР.pptx
+++ b/Хакатон_УР.pptx
@@ -5,12 +5,15 @@
     <p:sldMasterId id="2147483660" r:id="rId1"/>
   </p:sldMasterIdLst>
   <p:notesMasterIdLst>
-    <p:notesMasterId r:id="rId5"/>
+    <p:notesMasterId r:id="rId8"/>
   </p:notesMasterIdLst>
   <p:sldIdLst>
     <p:sldId id="272" r:id="rId2"/>
-    <p:sldId id="260" r:id="rId3"/>
-    <p:sldId id="271" r:id="rId4"/>
+    <p:sldId id="274" r:id="rId3"/>
+    <p:sldId id="260" r:id="rId4"/>
+    <p:sldId id="275" r:id="rId5"/>
+    <p:sldId id="273" r:id="rId6"/>
+    <p:sldId id="271" r:id="rId7"/>
   </p:sldIdLst>
   <p:sldSz cx="12192000" cy="6858000"/>
   <p:notesSz cx="6858000" cy="9144000"/>
@@ -141,13 +144,18 @@
   </p:defaultTextStyle>
   <p:extLst>
     <p:ext uri="{EFAFB233-063F-42B5-8137-9DF3F51BA10A}">
-      <p15:sldGuideLst xmlns:p15="http://schemas.microsoft.com/office/powerpoint/2012/main" xmlns="">
+      <p15:sldGuideLst xmlns:p15="http://schemas.microsoft.com/office/powerpoint/2012/main">
         <p15:guide id="1" orient="horz" pos="2160">
           <p15:clr>
             <a:srgbClr val="A4A3A4"/>
           </p15:clr>
         </p15:guide>
         <p15:guide id="2" pos="3840">
+          <p15:clr>
+            <a:srgbClr val="A4A3A4"/>
+          </p15:clr>
+        </p15:guide>
+        <p15:guide id="3" pos="300">
           <p15:clr>
             <a:srgbClr val="A4A3A4"/>
           </p15:clr>
@@ -268,7 +276,7 @@
               <a:pPr>
                 <a:defRPr/>
               </a:pPr>
-              <a:t>31.10.2018</a:t>
+              <a:t>01.11.2018</a:t>
             </a:fld>
             <a:endParaRPr lang="ru-RU"/>
           </a:p>
@@ -1168,7 +1176,7 @@
                   <a:spcPct val="0"/>
                 </a:spcAft>
               </a:pPr>
-              <a:t>2</a:t>
+              <a:t>3</a:t>
             </a:fld>
             <a:endParaRPr lang="ru-RU" altLang="ru-RU">
               <a:solidFill>
@@ -1493,7 +1501,7 @@
           <p:cNvPr id="6" name="Прямоугольник 5">
             <a:extLst>
               <a:ext uri="{FF2B5EF4-FFF2-40B4-BE49-F238E27FC236}">
-                <a16:creationId xmlns:a16="http://schemas.microsoft.com/office/drawing/2014/main" xmlns="" id="{49BDA30F-2AB3-438F-ABD8-7CCA0C335FB8}"/>
+                <a16:creationId xmlns:a16="http://schemas.microsoft.com/office/drawing/2014/main" id="{49BDA30F-2AB3-438F-ABD8-7CCA0C335FB8}"/>
               </a:ext>
             </a:extLst>
           </p:cNvPr>
@@ -2231,7 +2239,7 @@
           <p:cNvPr id="16" name="Заголовок 1">
             <a:extLst>
               <a:ext uri="{FF2B5EF4-FFF2-40B4-BE49-F238E27FC236}">
-                <a16:creationId xmlns:a16="http://schemas.microsoft.com/office/drawing/2014/main" xmlns="" id="{CB7CB1EC-8C7A-460E-865F-25584F66677A}"/>
+                <a16:creationId xmlns:a16="http://schemas.microsoft.com/office/drawing/2014/main" id="{CB7CB1EC-8C7A-460E-865F-25584F66677A}"/>
               </a:ext>
             </a:extLst>
           </p:cNvPr>
@@ -2285,15 +2293,7 @@
                   <a:prstClr val="white"/>
                 </a:solidFill>
               </a:rPr>
-              <a:t>ЛУЧШИЙ ПО </a:t>
-            </a:r>
-            <a:r>
-              <a:rPr lang="ru-RU" sz="1800" dirty="0" smtClean="0">
-                <a:solidFill>
-                  <a:prstClr val="white"/>
-                </a:solidFill>
-              </a:rPr>
-              <a:t>ПРОФЕССИИ</a:t>
+              <a:t>ЛУЧШИЙ ПО ПРОФЕССИИ</a:t>
             </a:r>
           </a:p>
           <a:p>
@@ -2304,34 +2304,13 @@
               <a:defRPr/>
             </a:pPr>
             <a:r>
-              <a:rPr lang="ru-RU" sz="1800" dirty="0" smtClean="0">
-                <a:solidFill>
-                  <a:prstClr val="white"/>
-                </a:solidFill>
-              </a:rPr>
-              <a:t>Номинация </a:t>
-            </a:r>
-            <a:r>
               <a:rPr lang="ru-RU" sz="1800" dirty="0">
                 <a:solidFill>
                   <a:prstClr val="white"/>
                 </a:solidFill>
               </a:rPr>
-              <a:t>– разработчик </a:t>
+              <a:t>Номинация – разработчик ПО </a:t>
             </a:r>
-            <a:r>
-              <a:rPr lang="ru-RU" sz="1800" dirty="0" smtClean="0">
-                <a:solidFill>
-                  <a:prstClr val="white"/>
-                </a:solidFill>
-              </a:rPr>
-              <a:t>ПО </a:t>
-            </a:r>
-            <a:endParaRPr lang="ru-RU" sz="1800" dirty="0">
-              <a:solidFill>
-                <a:prstClr val="white"/>
-              </a:solidFill>
-            </a:endParaRPr>
           </a:p>
         </p:txBody>
       </p:sp>
@@ -2365,7 +2344,7 @@
               </a:spcAft>
             </a:pPr>
             <a:r>
-              <a:rPr lang="ru-RU" sz="6000" cap="all" dirty="0" smtClean="0">
+              <a:rPr lang="ru-RU" sz="6000" cap="all" dirty="0">
                 <a:solidFill>
                   <a:prstClr val="white"/>
                 </a:solidFill>
@@ -2375,14 +2354,6 @@
               </a:rPr>
               <a:t>НАЗВАНИЕ ПРЕЗЕНТАЦИИ</a:t>
             </a:r>
-            <a:endParaRPr lang="ru-RU" sz="6000" cap="all" dirty="0">
-              <a:solidFill>
-                <a:prstClr val="white"/>
-              </a:solidFill>
-              <a:latin typeface="Gilroy ExtraBold" pitchFamily="50" charset="-52"/>
-              <a:ea typeface="+mj-ea"/>
-              <a:cs typeface="+mj-cs"/>
-            </a:endParaRPr>
           </a:p>
         </p:txBody>
       </p:sp>
@@ -6712,7 +6683,7 @@
               </a:spcAft>
             </a:pPr>
             <a:r>
-              <a:rPr lang="ru-RU" sz="6000" cap="all" dirty="0" smtClean="0">
+              <a:rPr lang="ru-RU" sz="6000" cap="all" dirty="0">
                 <a:solidFill>
                   <a:prstClr val="white"/>
                 </a:solidFill>
@@ -6722,14 +6693,6 @@
               </a:rPr>
               <a:t>НАЗВАНИЕ ПРЕЗЕНТАЦИИ</a:t>
             </a:r>
-            <a:endParaRPr lang="ru-RU" sz="6000" cap="all" dirty="0">
-              <a:solidFill>
-                <a:prstClr val="white"/>
-              </a:solidFill>
-              <a:latin typeface="Gilroy Light" pitchFamily="50" charset="-52"/>
-              <a:ea typeface="+mj-ea"/>
-              <a:cs typeface="+mj-cs"/>
-            </a:endParaRPr>
           </a:p>
         </p:txBody>
       </p:sp>
@@ -6738,7 +6701,7 @@
           <p:cNvPr id="21" name="Заголовок 1">
             <a:extLst>
               <a:ext uri="{FF2B5EF4-FFF2-40B4-BE49-F238E27FC236}">
-                <a16:creationId xmlns:a16="http://schemas.microsoft.com/office/drawing/2014/main" xmlns="" id="{CB7CB1EC-8C7A-460E-865F-25584F66677A}"/>
+                <a16:creationId xmlns:a16="http://schemas.microsoft.com/office/drawing/2014/main" id="{CB7CB1EC-8C7A-460E-865F-25584F66677A}"/>
               </a:ext>
             </a:extLst>
           </p:cNvPr>
@@ -6787,20 +6750,14 @@
               <a:defRPr/>
             </a:pPr>
             <a:r>
-              <a:rPr lang="ru-RU" dirty="0" smtClean="0">
+              <a:rPr lang="ru-RU" dirty="0">
                 <a:solidFill>
                   <a:prstClr val="white"/>
                 </a:solidFill>
                 <a:latin typeface="Gilroy Light" pitchFamily="50" charset="-52"/>
               </a:rPr>
-              <a:t>НАЗВАНИЕ КОМАНДЫ</a:t>
+              <a:t>Отряд особого назначения</a:t>
             </a:r>
-            <a:endParaRPr lang="ru-RU" dirty="0">
-              <a:solidFill>
-                <a:prstClr val="white"/>
-              </a:solidFill>
-              <a:latin typeface="Gilroy Light" pitchFamily="50" charset="-52"/>
-            </a:endParaRPr>
           </a:p>
         </p:txBody>
       </p:sp>
@@ -6828,7 +6785,7 @@
           <a:p>
             <a:pPr algn="ctr"/>
             <a:r>
-              <a:rPr lang="ru-RU" sz="1600" dirty="0" smtClean="0">
+              <a:rPr lang="ru-RU" sz="1600" dirty="0">
                 <a:solidFill>
                   <a:schemeClr val="bg1"/>
                 </a:solidFill>
@@ -6852,13 +6809,6 @@
   <p:transition>
     <p:fade/>
   </p:transition>
-  <p:timing>
-    <p:tnLst>
-      <p:par>
-        <p:cTn id="1" dur="indefinite" restart="never" nodeType="tmRoot"/>
-      </p:par>
-    </p:tnLst>
-  </p:timing>
 </p:sld>
 </file>
 
@@ -6881,6 +6831,303 @@
       </p:grpSpPr>
       <p:sp>
         <p:nvSpPr>
+          <p:cNvPr id="2" name="Заголовок 1">
+            <a:extLst>
+              <a:ext uri="{FF2B5EF4-FFF2-40B4-BE49-F238E27FC236}">
+                <a16:creationId xmlns:a16="http://schemas.microsoft.com/office/drawing/2014/main" id="{9369C24F-3203-4290-9957-EEFA4A634178}"/>
+              </a:ext>
+            </a:extLst>
+          </p:cNvPr>
+          <p:cNvSpPr>
+            <a:spLocks noGrp="1"/>
+          </p:cNvSpPr>
+          <p:nvPr>
+            <p:ph type="title"/>
+          </p:nvPr>
+        </p:nvSpPr>
+        <p:spPr>
+          <a:xfrm>
+            <a:off x="333752" y="214056"/>
+            <a:ext cx="11483597" cy="510161"/>
+          </a:xfrm>
+        </p:spPr>
+        <p:txBody>
+          <a:bodyPr/>
+          <a:lstStyle/>
+          <a:p>
+            <a:pPr algn="ctr"/>
+            <a:r>
+              <a:rPr lang="ru-RU" dirty="0"/>
+              <a:t>Актуальность задачи</a:t>
+            </a:r>
+          </a:p>
+        </p:txBody>
+      </p:sp>
+      <p:sp>
+        <p:nvSpPr>
+          <p:cNvPr id="3" name="Номер слайда 2">
+            <a:extLst>
+              <a:ext uri="{FF2B5EF4-FFF2-40B4-BE49-F238E27FC236}">
+                <a16:creationId xmlns:a16="http://schemas.microsoft.com/office/drawing/2014/main" id="{438E4F6C-50D3-4A7F-AF68-21CCAD6827D3}"/>
+              </a:ext>
+            </a:extLst>
+          </p:cNvPr>
+          <p:cNvSpPr>
+            <a:spLocks noGrp="1"/>
+          </p:cNvSpPr>
+          <p:nvPr>
+            <p:ph type="sldNum" sz="quarter" idx="14"/>
+          </p:nvPr>
+        </p:nvSpPr>
+        <p:spPr/>
+        <p:txBody>
+          <a:bodyPr/>
+          <a:lstStyle/>
+          <a:p>
+            <a:pPr>
+              <a:defRPr/>
+            </a:pPr>
+            <a:fld id="{F8F29BF0-CBE9-44D5-BD66-64D8F5E7FD84}" type="slidenum">
+              <a:rPr lang="ru-RU" smtClean="0"/>
+              <a:pPr>
+                <a:defRPr/>
+              </a:pPr>
+              <a:t>2</a:t>
+            </a:fld>
+            <a:endParaRPr lang="ru-RU"/>
+          </a:p>
+        </p:txBody>
+      </p:sp>
+      <p:pic>
+        <p:nvPicPr>
+          <p:cNvPr id="2050" name="Picture 2" descr="ÐÐ°ÑÑÐ¸Ð½ÐºÐ¸ Ð¿Ð¾ Ð·Ð°Ð¿ÑÐ¾ÑÑ ÑÐµÐ»Ð¾Ð²ÐµÑÐµÐº Ð´Ð»Ñ Ð¿ÑÐµÐ·ÐµÐ½ÑÐ°ÑÐ¸Ð¸">
+            <a:extLst>
+              <a:ext uri="{FF2B5EF4-FFF2-40B4-BE49-F238E27FC236}">
+                <a16:creationId xmlns:a16="http://schemas.microsoft.com/office/drawing/2014/main" id="{34E78522-2BDA-46FA-AB84-EEAD2BC20A83}"/>
+              </a:ext>
+            </a:extLst>
+          </p:cNvPr>
+          <p:cNvPicPr>
+            <a:picLocks noChangeAspect="1" noChangeArrowheads="1"/>
+          </p:cNvPicPr>
+          <p:nvPr/>
+        </p:nvPicPr>
+        <p:blipFill>
+          <a:blip r:embed="rId2" cstate="email">
+            <a:extLst>
+              <a:ext uri="{28A0092B-C50C-407E-A947-70E740481C1C}">
+                <a14:useLocalDpi xmlns:a14="http://schemas.microsoft.com/office/drawing/2010/main" val="0"/>
+              </a:ext>
+            </a:extLst>
+          </a:blip>
+          <a:srcRect/>
+          <a:stretch>
+            <a:fillRect/>
+          </a:stretch>
+        </p:blipFill>
+        <p:spPr bwMode="auto">
+          <a:xfrm>
+            <a:off x="933450" y="3111023"/>
+            <a:ext cx="3818492" cy="2543175"/>
+          </a:xfrm>
+          <a:prstGeom prst="rect">
+            <a:avLst/>
+          </a:prstGeom>
+          <a:noFill/>
+          <a:extLst>
+            <a:ext uri="{909E8E84-426E-40DD-AFC4-6F175D3DCCD1}">
+              <a14:hiddenFill xmlns:a14="http://schemas.microsoft.com/office/drawing/2010/main">
+                <a:solidFill>
+                  <a:srgbClr val="FFFFFF"/>
+                </a:solidFill>
+              </a14:hiddenFill>
+            </a:ext>
+          </a:extLst>
+        </p:spPr>
+      </p:pic>
+      <p:pic>
+        <p:nvPicPr>
+          <p:cNvPr id="2052" name="Picture 4" descr="ÐÐ°ÑÑÐ¸Ð½ÐºÐ¸ Ð¿Ð¾ Ð·Ð°Ð¿ÑÐ¾ÑÑ ÑÐµÐ»Ð¾Ð²ÐµÑÐµÐº Ð´Ð»Ñ Ð¿ÑÐµÐ·ÐµÐ½ÑÐ°ÑÐ¸Ð¸">
+            <a:extLst>
+              <a:ext uri="{FF2B5EF4-FFF2-40B4-BE49-F238E27FC236}">
+                <a16:creationId xmlns:a16="http://schemas.microsoft.com/office/drawing/2014/main" id="{16CC200E-6156-4D48-85D4-C89DFDCBE48C}"/>
+              </a:ext>
+            </a:extLst>
+          </p:cNvPr>
+          <p:cNvPicPr>
+            <a:picLocks noChangeAspect="1" noChangeArrowheads="1"/>
+          </p:cNvPicPr>
+          <p:nvPr/>
+        </p:nvPicPr>
+        <p:blipFill>
+          <a:blip r:embed="rId3" cstate="email">
+            <a:extLst>
+              <a:ext uri="{28A0092B-C50C-407E-A947-70E740481C1C}">
+                <a14:useLocalDpi xmlns:a14="http://schemas.microsoft.com/office/drawing/2010/main" val="0"/>
+              </a:ext>
+            </a:extLst>
+          </a:blip>
+          <a:srcRect/>
+          <a:stretch>
+            <a:fillRect/>
+          </a:stretch>
+        </p:blipFill>
+        <p:spPr bwMode="auto">
+          <a:xfrm>
+            <a:off x="7607300" y="2631440"/>
+            <a:ext cx="4033408" cy="3502343"/>
+          </a:xfrm>
+          <a:prstGeom prst="rect">
+            <a:avLst/>
+          </a:prstGeom>
+          <a:noFill/>
+          <a:extLst>
+            <a:ext uri="{909E8E84-426E-40DD-AFC4-6F175D3DCCD1}">
+              <a14:hiddenFill xmlns:a14="http://schemas.microsoft.com/office/drawing/2010/main">
+                <a:solidFill>
+                  <a:srgbClr val="FFFFFF"/>
+                </a:solidFill>
+              </a14:hiddenFill>
+            </a:ext>
+          </a:extLst>
+        </p:spPr>
+      </p:pic>
+      <p:pic>
+        <p:nvPicPr>
+          <p:cNvPr id="2054" name="Picture 6" descr="ÐÐ°ÑÑÐ¸Ð½ÐºÐ¸ Ð¿Ð¾ Ð·Ð°Ð¿ÑÐ¾ÑÑ ÑÐµÐ»Ð¾Ð²ÐµÑÐµÐº Ð´Ð»Ñ Ð¿ÑÐµÐ·ÐµÐ½ÑÐ°ÑÐ¸Ð¸">
+            <a:extLst>
+              <a:ext uri="{FF2B5EF4-FFF2-40B4-BE49-F238E27FC236}">
+                <a16:creationId xmlns:a16="http://schemas.microsoft.com/office/drawing/2014/main" id="{1FC37849-63B3-431F-9591-94CBB3F32AC3}"/>
+              </a:ext>
+            </a:extLst>
+          </p:cNvPr>
+          <p:cNvPicPr>
+            <a:picLocks noChangeAspect="1" noChangeArrowheads="1"/>
+          </p:cNvPicPr>
+          <p:nvPr/>
+        </p:nvPicPr>
+        <p:blipFill>
+          <a:blip r:embed="rId4">
+            <a:extLst>
+              <a:ext uri="{28A0092B-C50C-407E-A947-70E740481C1C}">
+                <a14:useLocalDpi xmlns:a14="http://schemas.microsoft.com/office/drawing/2010/main" val="0"/>
+              </a:ext>
+            </a:extLst>
+          </a:blip>
+          <a:srcRect/>
+          <a:stretch>
+            <a:fillRect/>
+          </a:stretch>
+        </p:blipFill>
+        <p:spPr bwMode="auto">
+          <a:xfrm>
+            <a:off x="5310188" y="2157413"/>
+            <a:ext cx="1571625" cy="2543175"/>
+          </a:xfrm>
+          <a:prstGeom prst="rect">
+            <a:avLst/>
+          </a:prstGeom>
+          <a:noFill/>
+          <a:extLst>
+            <a:ext uri="{909E8E84-426E-40DD-AFC4-6F175D3DCCD1}">
+              <a14:hiddenFill xmlns:a14="http://schemas.microsoft.com/office/drawing/2010/main">
+                <a:solidFill>
+                  <a:srgbClr val="FFFFFF"/>
+                </a:solidFill>
+              </a14:hiddenFill>
+            </a:ext>
+          </a:extLst>
+        </p:spPr>
+      </p:pic>
+    </p:spTree>
+    <p:extLst>
+      <p:ext uri="{BB962C8B-B14F-4D97-AF65-F5344CB8AC3E}">
+        <p14:creationId xmlns:p14="http://schemas.microsoft.com/office/powerpoint/2010/main" val="2867954948"/>
+      </p:ext>
+    </p:extLst>
+  </p:cSld>
+  <p:clrMapOvr>
+    <a:masterClrMapping/>
+  </p:clrMapOvr>
+  <p:transition>
+    <p:fade/>
+  </p:transition>
+</p:sld>
+</file>
+
+<file path=ppt/slides/slide3.xml><?xml version="1.0" encoding="utf-8"?>
+<p:sld xmlns:a="http://schemas.openxmlformats.org/drawingml/2006/main" xmlns:r="http://schemas.openxmlformats.org/officeDocument/2006/relationships" xmlns:p="http://schemas.openxmlformats.org/presentationml/2006/main">
+  <p:cSld>
+    <p:spTree>
+      <p:nvGrpSpPr>
+        <p:cNvPr id="1" name=""/>
+        <p:cNvGrpSpPr/>
+        <p:nvPr/>
+      </p:nvGrpSpPr>
+      <p:grpSpPr>
+        <a:xfrm>
+          <a:off x="0" y="0"/>
+          <a:ext cx="0" cy="0"/>
+          <a:chOff x="0" y="0"/>
+          <a:chExt cx="0" cy="0"/>
+        </a:xfrm>
+      </p:grpSpPr>
+      <p:sp>
+        <p:nvSpPr>
+          <p:cNvPr id="19" name="Прямоугольник 18">
+            <a:extLst>
+              <a:ext uri="{FF2B5EF4-FFF2-40B4-BE49-F238E27FC236}">
+                <a16:creationId xmlns:a16="http://schemas.microsoft.com/office/drawing/2014/main" id="{7A3AB8EF-3C2F-40D9-BA74-057A4F9BE314}"/>
+              </a:ext>
+            </a:extLst>
+          </p:cNvPr>
+          <p:cNvSpPr/>
+          <p:nvPr/>
+        </p:nvSpPr>
+        <p:spPr>
+          <a:xfrm>
+            <a:off x="1922647" y="874395"/>
+            <a:ext cx="682232" cy="3000369"/>
+          </a:xfrm>
+          <a:prstGeom prst="rect">
+            <a:avLst/>
+          </a:prstGeom>
+          <a:solidFill>
+            <a:schemeClr val="bg1"/>
+          </a:solidFill>
+          <a:ln>
+            <a:solidFill>
+              <a:schemeClr val="tx1"/>
+            </a:solidFill>
+          </a:ln>
+        </p:spPr>
+        <p:style>
+          <a:lnRef idx="2">
+            <a:schemeClr val="accent1">
+              <a:shade val="50000"/>
+            </a:schemeClr>
+          </a:lnRef>
+          <a:fillRef idx="1">
+            <a:schemeClr val="accent1"/>
+          </a:fillRef>
+          <a:effectRef idx="0">
+            <a:schemeClr val="accent1"/>
+          </a:effectRef>
+          <a:fontRef idx="minor">
+            <a:schemeClr val="lt1"/>
+          </a:fontRef>
+        </p:style>
+        <p:txBody>
+          <a:bodyPr rtlCol="0" anchor="ctr"/>
+          <a:lstStyle/>
+          <a:p>
+            <a:pPr algn="ctr"/>
+            <a:endParaRPr lang="ru-RU"/>
+          </a:p>
+        </p:txBody>
+      </p:sp>
+      <p:sp>
+        <p:nvSpPr>
           <p:cNvPr id="7" name="Заголовок 6"/>
           <p:cNvSpPr>
             <a:spLocks noGrp="1"/>
@@ -6889,12 +7136,21 @@
             <p:ph type="title"/>
           </p:nvPr>
         </p:nvSpPr>
-        <p:spPr/>
+        <p:spPr>
+          <a:xfrm>
+            <a:off x="327171" y="190500"/>
+            <a:ext cx="11569554" cy="561975"/>
+          </a:xfrm>
+        </p:spPr>
         <p:txBody>
           <a:bodyPr/>
           <a:lstStyle/>
           <a:p>
-            <a:endParaRPr lang="ru-RU"/>
+            <a:pPr algn="ctr"/>
+            <a:r>
+              <a:rPr lang="ru-RU" dirty="0"/>
+              <a:t>Архитектурное решение</a:t>
+            </a:r>
           </a:p>
         </p:txBody>
       </p:sp>
@@ -6917,12 +7173,941 @@
           </a:p>
         </p:txBody>
       </p:sp>
+      <p:pic>
+        <p:nvPicPr>
+          <p:cNvPr id="1030" name="Picture 6" descr="ÐÐ°ÑÑÐ¸Ð½ÐºÐ¸ Ð¿Ð¾ Ð·Ð°Ð¿ÑÐ¾ÑÑ ÑÐµÐ»Ð¾Ð²ÐµÑÐµÐº Ð´Ð»Ñ Ð¿ÑÐµÐ·ÐµÐ½ÑÐ°ÑÐ¸Ð¸">
+            <a:extLst>
+              <a:ext uri="{FF2B5EF4-FFF2-40B4-BE49-F238E27FC236}">
+                <a16:creationId xmlns:a16="http://schemas.microsoft.com/office/drawing/2014/main" id="{EE60D27E-E35D-48DF-9EA3-1DD1686789E0}"/>
+              </a:ext>
+            </a:extLst>
+          </p:cNvPr>
+          <p:cNvPicPr>
+            <a:picLocks noChangeAspect="1" noChangeArrowheads="1"/>
+          </p:cNvPicPr>
+          <p:nvPr/>
+        </p:nvPicPr>
+        <p:blipFill>
+          <a:blip r:embed="rId3" cstate="email">
+            <a:extLst>
+              <a:ext uri="{28A0092B-C50C-407E-A947-70E740481C1C}">
+                <a14:useLocalDpi xmlns:a14="http://schemas.microsoft.com/office/drawing/2010/main" val="0"/>
+              </a:ext>
+            </a:extLst>
+          </a:blip>
+          <a:srcRect/>
+          <a:stretch>
+            <a:fillRect/>
+          </a:stretch>
+        </p:blipFill>
+        <p:spPr bwMode="auto">
+          <a:xfrm>
+            <a:off x="236770" y="1823270"/>
+            <a:ext cx="1390444" cy="1390444"/>
+          </a:xfrm>
+          <a:prstGeom prst="rect">
+            <a:avLst/>
+          </a:prstGeom>
+          <a:noFill/>
+          <a:extLst>
+            <a:ext uri="{909E8E84-426E-40DD-AFC4-6F175D3DCCD1}">
+              <a14:hiddenFill xmlns:a14="http://schemas.microsoft.com/office/drawing/2010/main">
+                <a:solidFill>
+                  <a:srgbClr val="FFFFFF"/>
+                </a:solidFill>
+              </a14:hiddenFill>
+            </a:ext>
+          </a:extLst>
+        </p:spPr>
+      </p:pic>
+      <p:pic>
+        <p:nvPicPr>
+          <p:cNvPr id="1044" name="Picture 20" descr="ÐÐ¾Ñ+Ð¾Ð¶ÐµÐµ Ð¸Ð·Ð¾Ð±ÑÐ°Ð¶ÐµÐ½Ð¸Ðµ">
+            <a:extLst>
+              <a:ext uri="{FF2B5EF4-FFF2-40B4-BE49-F238E27FC236}">
+                <a16:creationId xmlns:a16="http://schemas.microsoft.com/office/drawing/2014/main" id="{A4F287F7-2F92-482A-B7E0-27EE6FF86FAF}"/>
+              </a:ext>
+            </a:extLst>
+          </p:cNvPr>
+          <p:cNvPicPr>
+            <a:picLocks noChangeAspect="1" noChangeArrowheads="1"/>
+          </p:cNvPicPr>
+          <p:nvPr/>
+        </p:nvPicPr>
+        <p:blipFill>
+          <a:blip r:embed="rId4" cstate="email">
+            <a:extLst>
+              <a:ext uri="{28A0092B-C50C-407E-A947-70E740481C1C}">
+                <a14:useLocalDpi xmlns:a14="http://schemas.microsoft.com/office/drawing/2010/main" val="0"/>
+              </a:ext>
+            </a:extLst>
+          </a:blip>
+          <a:srcRect/>
+          <a:stretch>
+            <a:fillRect/>
+          </a:stretch>
+        </p:blipFill>
+        <p:spPr bwMode="auto">
+          <a:xfrm>
+            <a:off x="2031525" y="1261294"/>
+            <a:ext cx="467835" cy="413725"/>
+          </a:xfrm>
+          <a:prstGeom prst="rect">
+            <a:avLst/>
+          </a:prstGeom>
+          <a:noFill/>
+          <a:extLst>
+            <a:ext uri="{909E8E84-426E-40DD-AFC4-6F175D3DCCD1}">
+              <a14:hiddenFill xmlns:a14="http://schemas.microsoft.com/office/drawing/2010/main">
+                <a:solidFill>
+                  <a:srgbClr val="FFFFFF"/>
+                </a:solidFill>
+              </a14:hiddenFill>
+            </a:ext>
+          </a:extLst>
+        </p:spPr>
+      </p:pic>
+      <p:pic>
+        <p:nvPicPr>
+          <p:cNvPr id="1050" name="Picture 26" descr="ÐÐ°ÑÑÐ¸Ð½ÐºÐ¸ Ð¿Ð¾ Ð·Ð°Ð¿ÑÐ¾ÑÑ Ð¸ÐºÐ¾Ð½ÐºÐ° viber">
+            <a:extLst>
+              <a:ext uri="{FF2B5EF4-FFF2-40B4-BE49-F238E27FC236}">
+                <a16:creationId xmlns:a16="http://schemas.microsoft.com/office/drawing/2014/main" id="{09DC407F-CC1C-4114-916B-4A72D0B027C2}"/>
+              </a:ext>
+            </a:extLst>
+          </p:cNvPr>
+          <p:cNvPicPr>
+            <a:picLocks noChangeAspect="1" noChangeArrowheads="1"/>
+          </p:cNvPicPr>
+          <p:nvPr/>
+        </p:nvPicPr>
+        <p:blipFill>
+          <a:blip r:embed="rId5" cstate="email">
+            <a:extLst>
+              <a:ext uri="{28A0092B-C50C-407E-A947-70E740481C1C}">
+                <a14:useLocalDpi xmlns:a14="http://schemas.microsoft.com/office/drawing/2010/main" val="0"/>
+              </a:ext>
+            </a:extLst>
+          </a:blip>
+          <a:srcRect/>
+          <a:stretch>
+            <a:fillRect/>
+          </a:stretch>
+        </p:blipFill>
+        <p:spPr bwMode="auto">
+          <a:xfrm>
+            <a:off x="2091053" y="2456809"/>
+            <a:ext cx="342057" cy="342057"/>
+          </a:xfrm>
+          <a:prstGeom prst="rect">
+            <a:avLst/>
+          </a:prstGeom>
+          <a:noFill/>
+          <a:extLst>
+            <a:ext uri="{909E8E84-426E-40DD-AFC4-6F175D3DCCD1}">
+              <a14:hiddenFill xmlns:a14="http://schemas.microsoft.com/office/drawing/2010/main">
+                <a:solidFill>
+                  <a:srgbClr val="FFFFFF"/>
+                </a:solidFill>
+              </a14:hiddenFill>
+            </a:ext>
+          </a:extLst>
+        </p:spPr>
+      </p:pic>
+      <p:pic>
+        <p:nvPicPr>
+          <p:cNvPr id="1052" name="Picture 28" descr="ÐÐ°ÑÑÐ¸Ð½ÐºÐ¸ Ð¿Ð¾ Ð·Ð°Ð¿ÑÐ¾ÑÑ Ð¸ÐºÐ¾Ð½ÐºÐ° vk">
+            <a:extLst>
+              <a:ext uri="{FF2B5EF4-FFF2-40B4-BE49-F238E27FC236}">
+                <a16:creationId xmlns:a16="http://schemas.microsoft.com/office/drawing/2014/main" id="{D7C4993F-FCA9-40FF-9BBE-A9ADC5947BFA}"/>
+              </a:ext>
+            </a:extLst>
+          </p:cNvPr>
+          <p:cNvPicPr>
+            <a:picLocks noChangeAspect="1" noChangeArrowheads="1"/>
+          </p:cNvPicPr>
+          <p:nvPr/>
+        </p:nvPicPr>
+        <p:blipFill>
+          <a:blip r:embed="rId6" cstate="email">
+            <a:extLst>
+              <a:ext uri="{28A0092B-C50C-407E-A947-70E740481C1C}">
+                <a14:useLocalDpi xmlns:a14="http://schemas.microsoft.com/office/drawing/2010/main" val="0"/>
+              </a:ext>
+            </a:extLst>
+          </a:blip>
+          <a:srcRect/>
+          <a:stretch>
+            <a:fillRect/>
+          </a:stretch>
+        </p:blipFill>
+        <p:spPr bwMode="auto">
+          <a:xfrm>
+            <a:off x="2043635" y="3006252"/>
+            <a:ext cx="436891" cy="414924"/>
+          </a:xfrm>
+          <a:prstGeom prst="rect">
+            <a:avLst/>
+          </a:prstGeom>
+          <a:noFill/>
+          <a:extLst>
+            <a:ext uri="{909E8E84-426E-40DD-AFC4-6F175D3DCCD1}">
+              <a14:hiddenFill xmlns:a14="http://schemas.microsoft.com/office/drawing/2010/main">
+                <a:solidFill>
+                  <a:srgbClr val="FFFFFF"/>
+                </a:solidFill>
+              </a14:hiddenFill>
+            </a:ext>
+          </a:extLst>
+        </p:spPr>
+      </p:pic>
       <p:sp>
         <p:nvSpPr>
-          <p:cNvPr id="4" name="Номер слайда 3">
+          <p:cNvPr id="5" name="Прямоугольник 4">
             <a:extLst>
               <a:ext uri="{FF2B5EF4-FFF2-40B4-BE49-F238E27FC236}">
-                <a16:creationId xmlns:a16="http://schemas.microsoft.com/office/drawing/2014/main" xmlns="" id="{D3D8DD0C-293E-4209-BE7B-F33A295C7439}"/>
+                <a16:creationId xmlns:a16="http://schemas.microsoft.com/office/drawing/2014/main" id="{2E4E4AC9-5FBF-4E23-94B1-69DB02D905F2}"/>
+              </a:ext>
+            </a:extLst>
+          </p:cNvPr>
+          <p:cNvSpPr/>
+          <p:nvPr/>
+        </p:nvSpPr>
+        <p:spPr>
+          <a:xfrm>
+            <a:off x="3557795" y="1087127"/>
+            <a:ext cx="2273935" cy="2658130"/>
+          </a:xfrm>
+          <a:prstGeom prst="rect">
+            <a:avLst/>
+          </a:prstGeom>
+          <a:solidFill>
+            <a:srgbClr val="92D050"/>
+          </a:solidFill>
+          <a:ln>
+            <a:solidFill>
+              <a:schemeClr val="accent6"/>
+            </a:solidFill>
+          </a:ln>
+        </p:spPr>
+        <p:style>
+          <a:lnRef idx="2">
+            <a:schemeClr val="accent1">
+              <a:shade val="50000"/>
+            </a:schemeClr>
+          </a:lnRef>
+          <a:fillRef idx="1">
+            <a:schemeClr val="accent1"/>
+          </a:fillRef>
+          <a:effectRef idx="0">
+            <a:schemeClr val="accent1"/>
+          </a:effectRef>
+          <a:fontRef idx="minor">
+            <a:schemeClr val="lt1"/>
+          </a:fontRef>
+        </p:style>
+        <p:txBody>
+          <a:bodyPr rtlCol="0" anchor="ctr"/>
+          <a:lstStyle/>
+          <a:p>
+            <a:pPr algn="ctr"/>
+            <a:r>
+              <a:rPr lang="en-US" sz="6000" dirty="0">
+                <a:solidFill>
+                  <a:schemeClr val="accent6"/>
+                </a:solidFill>
+              </a:rPr>
+              <a:t>Server</a:t>
+            </a:r>
+          </a:p>
+        </p:txBody>
+      </p:sp>
+      <p:sp>
+        <p:nvSpPr>
+          <p:cNvPr id="20" name="Прямоугольник 19">
+            <a:extLst>
+              <a:ext uri="{FF2B5EF4-FFF2-40B4-BE49-F238E27FC236}">
+                <a16:creationId xmlns:a16="http://schemas.microsoft.com/office/drawing/2014/main" id="{1DB97CA0-4636-4BB9-8161-893D57D4D22D}"/>
+              </a:ext>
+            </a:extLst>
+          </p:cNvPr>
+          <p:cNvSpPr/>
+          <p:nvPr/>
+        </p:nvSpPr>
+        <p:spPr>
+          <a:xfrm>
+            <a:off x="6925580" y="1109335"/>
+            <a:ext cx="2120055" cy="2658129"/>
+          </a:xfrm>
+          <a:prstGeom prst="rect">
+            <a:avLst/>
+          </a:prstGeom>
+          <a:solidFill>
+            <a:schemeClr val="accent2">
+              <a:lumMod val="20000"/>
+              <a:lumOff val="80000"/>
+            </a:schemeClr>
+          </a:solidFill>
+          <a:ln>
+            <a:solidFill>
+              <a:schemeClr val="accent6"/>
+            </a:solidFill>
+          </a:ln>
+        </p:spPr>
+        <p:style>
+          <a:lnRef idx="2">
+            <a:schemeClr val="accent1">
+              <a:shade val="50000"/>
+            </a:schemeClr>
+          </a:lnRef>
+          <a:fillRef idx="1">
+            <a:schemeClr val="accent1"/>
+          </a:fillRef>
+          <a:effectRef idx="0">
+            <a:schemeClr val="accent1"/>
+          </a:effectRef>
+          <a:fontRef idx="minor">
+            <a:schemeClr val="lt1"/>
+          </a:fontRef>
+        </p:style>
+        <p:txBody>
+          <a:bodyPr rtlCol="0" anchor="ctr"/>
+          <a:lstStyle/>
+          <a:p>
+            <a:pPr algn="ctr"/>
+            <a:r>
+              <a:rPr lang="en-US" sz="6000" dirty="0">
+                <a:solidFill>
+                  <a:schemeClr val="accent6"/>
+                </a:solidFill>
+              </a:rPr>
+              <a:t>UI</a:t>
+            </a:r>
+          </a:p>
+        </p:txBody>
+      </p:sp>
+      <p:pic>
+        <p:nvPicPr>
+          <p:cNvPr id="10" name="Рисунок 9">
+            <a:extLst>
+              <a:ext uri="{FF2B5EF4-FFF2-40B4-BE49-F238E27FC236}">
+                <a16:creationId xmlns:a16="http://schemas.microsoft.com/office/drawing/2014/main" id="{B3A31EDF-B2E3-4155-B875-D229351E4D78}"/>
+              </a:ext>
+            </a:extLst>
+          </p:cNvPr>
+          <p:cNvPicPr>
+            <a:picLocks noChangeAspect="1"/>
+          </p:cNvPicPr>
+          <p:nvPr/>
+        </p:nvPicPr>
+        <p:blipFill>
+          <a:blip r:embed="rId7"/>
+          <a:stretch>
+            <a:fillRect/>
+          </a:stretch>
+        </p:blipFill>
+        <p:spPr>
+          <a:xfrm>
+            <a:off x="10324200" y="1468156"/>
+            <a:ext cx="1418016" cy="1664231"/>
+          </a:xfrm>
+          <a:prstGeom prst="rect">
+            <a:avLst/>
+          </a:prstGeom>
+        </p:spPr>
+      </p:pic>
+      <p:cxnSp>
+        <p:nvCxnSpPr>
+          <p:cNvPr id="14" name="Прямая со стрелкой 13">
+            <a:extLst>
+              <a:ext uri="{FF2B5EF4-FFF2-40B4-BE49-F238E27FC236}">
+                <a16:creationId xmlns:a16="http://schemas.microsoft.com/office/drawing/2014/main" id="{114D5D25-4FEF-48B5-8405-8B50C1810156}"/>
+              </a:ext>
+            </a:extLst>
+          </p:cNvPr>
+          <p:cNvCxnSpPr/>
+          <p:nvPr/>
+        </p:nvCxnSpPr>
+        <p:spPr>
+          <a:xfrm>
+            <a:off x="5937250" y="2061395"/>
+            <a:ext cx="825500" cy="0"/>
+          </a:xfrm>
+          <a:prstGeom prst="straightConnector1">
+            <a:avLst/>
+          </a:prstGeom>
+          <a:ln>
+            <a:tailEnd type="triangle"/>
+          </a:ln>
+        </p:spPr>
+        <p:style>
+          <a:lnRef idx="1">
+            <a:schemeClr val="accent1"/>
+          </a:lnRef>
+          <a:fillRef idx="0">
+            <a:schemeClr val="accent1"/>
+          </a:fillRef>
+          <a:effectRef idx="0">
+            <a:schemeClr val="accent1"/>
+          </a:effectRef>
+          <a:fontRef idx="minor">
+            <a:schemeClr val="tx1"/>
+          </a:fontRef>
+        </p:style>
+      </p:cxnSp>
+      <p:cxnSp>
+        <p:nvCxnSpPr>
+          <p:cNvPr id="18" name="Прямая со стрелкой 17">
+            <a:extLst>
+              <a:ext uri="{FF2B5EF4-FFF2-40B4-BE49-F238E27FC236}">
+                <a16:creationId xmlns:a16="http://schemas.microsoft.com/office/drawing/2014/main" id="{7AB64BCC-7E02-4453-936B-B7EDF6888602}"/>
+              </a:ext>
+            </a:extLst>
+          </p:cNvPr>
+          <p:cNvCxnSpPr/>
+          <p:nvPr/>
+        </p:nvCxnSpPr>
+        <p:spPr>
+          <a:xfrm flipH="1">
+            <a:off x="5937250" y="2518492"/>
+            <a:ext cx="825500" cy="0"/>
+          </a:xfrm>
+          <a:prstGeom prst="straightConnector1">
+            <a:avLst/>
+          </a:prstGeom>
+          <a:ln>
+            <a:tailEnd type="triangle"/>
+          </a:ln>
+        </p:spPr>
+        <p:style>
+          <a:lnRef idx="1">
+            <a:schemeClr val="accent1"/>
+          </a:lnRef>
+          <a:fillRef idx="0">
+            <a:schemeClr val="accent1"/>
+          </a:fillRef>
+          <a:effectRef idx="0">
+            <a:schemeClr val="accent1"/>
+          </a:effectRef>
+          <a:fontRef idx="minor">
+            <a:schemeClr val="tx1"/>
+          </a:fontRef>
+        </p:style>
+      </p:cxnSp>
+      <p:cxnSp>
+        <p:nvCxnSpPr>
+          <p:cNvPr id="34" name="Прямая со стрелкой 33">
+            <a:extLst>
+              <a:ext uri="{FF2B5EF4-FFF2-40B4-BE49-F238E27FC236}">
+                <a16:creationId xmlns:a16="http://schemas.microsoft.com/office/drawing/2014/main" id="{74E62995-12F4-47FC-969D-2D7A396A5F97}"/>
+              </a:ext>
+            </a:extLst>
+          </p:cNvPr>
+          <p:cNvCxnSpPr/>
+          <p:nvPr/>
+        </p:nvCxnSpPr>
+        <p:spPr>
+          <a:xfrm>
+            <a:off x="2741809" y="2118545"/>
+            <a:ext cx="682232" cy="0"/>
+          </a:xfrm>
+          <a:prstGeom prst="straightConnector1">
+            <a:avLst/>
+          </a:prstGeom>
+          <a:ln>
+            <a:tailEnd type="triangle"/>
+          </a:ln>
+        </p:spPr>
+        <p:style>
+          <a:lnRef idx="1">
+            <a:schemeClr val="accent1"/>
+          </a:lnRef>
+          <a:fillRef idx="0">
+            <a:schemeClr val="accent1"/>
+          </a:fillRef>
+          <a:effectRef idx="0">
+            <a:schemeClr val="accent1"/>
+          </a:effectRef>
+          <a:fontRef idx="minor">
+            <a:schemeClr val="tx1"/>
+          </a:fontRef>
+        </p:style>
+      </p:cxnSp>
+      <p:cxnSp>
+        <p:nvCxnSpPr>
+          <p:cNvPr id="35" name="Прямая со стрелкой 34">
+            <a:extLst>
+              <a:ext uri="{FF2B5EF4-FFF2-40B4-BE49-F238E27FC236}">
+                <a16:creationId xmlns:a16="http://schemas.microsoft.com/office/drawing/2014/main" id="{FCD02889-7CE7-4AEF-AF8B-C371AC11EB12}"/>
+              </a:ext>
+            </a:extLst>
+          </p:cNvPr>
+          <p:cNvCxnSpPr/>
+          <p:nvPr/>
+        </p:nvCxnSpPr>
+        <p:spPr>
+          <a:xfrm flipH="1">
+            <a:off x="2741809" y="2575642"/>
+            <a:ext cx="682232" cy="0"/>
+          </a:xfrm>
+          <a:prstGeom prst="straightConnector1">
+            <a:avLst/>
+          </a:prstGeom>
+          <a:ln>
+            <a:tailEnd type="triangle"/>
+          </a:ln>
+        </p:spPr>
+        <p:style>
+          <a:lnRef idx="1">
+            <a:schemeClr val="accent1"/>
+          </a:lnRef>
+          <a:fillRef idx="0">
+            <a:schemeClr val="accent1"/>
+          </a:fillRef>
+          <a:effectRef idx="0">
+            <a:schemeClr val="accent1"/>
+          </a:effectRef>
+          <a:fontRef idx="minor">
+            <a:schemeClr val="tx1"/>
+          </a:fontRef>
+        </p:style>
+      </p:cxnSp>
+      <p:cxnSp>
+        <p:nvCxnSpPr>
+          <p:cNvPr id="36" name="Прямая со стрелкой 35">
+            <a:extLst>
+              <a:ext uri="{FF2B5EF4-FFF2-40B4-BE49-F238E27FC236}">
+                <a16:creationId xmlns:a16="http://schemas.microsoft.com/office/drawing/2014/main" id="{B2FD0E8D-0750-408D-92C1-303425E4606D}"/>
+              </a:ext>
+            </a:extLst>
+          </p:cNvPr>
+          <p:cNvCxnSpPr/>
+          <p:nvPr/>
+        </p:nvCxnSpPr>
+        <p:spPr>
+          <a:xfrm>
+            <a:off x="9232900" y="2089970"/>
+            <a:ext cx="825500" cy="0"/>
+          </a:xfrm>
+          <a:prstGeom prst="straightConnector1">
+            <a:avLst/>
+          </a:prstGeom>
+          <a:ln>
+            <a:tailEnd type="triangle"/>
+          </a:ln>
+        </p:spPr>
+        <p:style>
+          <a:lnRef idx="1">
+            <a:schemeClr val="accent1"/>
+          </a:lnRef>
+          <a:fillRef idx="0">
+            <a:schemeClr val="accent1"/>
+          </a:fillRef>
+          <a:effectRef idx="0">
+            <a:schemeClr val="accent1"/>
+          </a:effectRef>
+          <a:fontRef idx="minor">
+            <a:schemeClr val="tx1"/>
+          </a:fontRef>
+        </p:style>
+      </p:cxnSp>
+      <p:cxnSp>
+        <p:nvCxnSpPr>
+          <p:cNvPr id="37" name="Прямая со стрелкой 36">
+            <a:extLst>
+              <a:ext uri="{FF2B5EF4-FFF2-40B4-BE49-F238E27FC236}">
+                <a16:creationId xmlns:a16="http://schemas.microsoft.com/office/drawing/2014/main" id="{FDB58AD3-06B0-4E8E-BB75-59892A1C199F}"/>
+              </a:ext>
+            </a:extLst>
+          </p:cNvPr>
+          <p:cNvCxnSpPr/>
+          <p:nvPr/>
+        </p:nvCxnSpPr>
+        <p:spPr>
+          <a:xfrm flipH="1">
+            <a:off x="9232900" y="2547067"/>
+            <a:ext cx="825500" cy="0"/>
+          </a:xfrm>
+          <a:prstGeom prst="straightConnector1">
+            <a:avLst/>
+          </a:prstGeom>
+          <a:ln>
+            <a:tailEnd type="triangle"/>
+          </a:ln>
+        </p:spPr>
+        <p:style>
+          <a:lnRef idx="1">
+            <a:schemeClr val="accent1"/>
+          </a:lnRef>
+          <a:fillRef idx="0">
+            <a:schemeClr val="accent1"/>
+          </a:fillRef>
+          <a:effectRef idx="0">
+            <a:schemeClr val="accent1"/>
+          </a:effectRef>
+          <a:fontRef idx="minor">
+            <a:schemeClr val="tx1"/>
+          </a:fontRef>
+        </p:style>
+      </p:cxnSp>
+      <p:cxnSp>
+        <p:nvCxnSpPr>
+          <p:cNvPr id="38" name="Прямая со стрелкой 37">
+            <a:extLst>
+              <a:ext uri="{FF2B5EF4-FFF2-40B4-BE49-F238E27FC236}">
+                <a16:creationId xmlns:a16="http://schemas.microsoft.com/office/drawing/2014/main" id="{A3B00448-325D-4609-8F6B-18BCD2CE5CF9}"/>
+              </a:ext>
+            </a:extLst>
+          </p:cNvPr>
+          <p:cNvCxnSpPr/>
+          <p:nvPr/>
+        </p:nvCxnSpPr>
+        <p:spPr>
+          <a:xfrm>
+            <a:off x="1452099" y="2118545"/>
+            <a:ext cx="385103" cy="0"/>
+          </a:xfrm>
+          <a:prstGeom prst="straightConnector1">
+            <a:avLst/>
+          </a:prstGeom>
+          <a:ln>
+            <a:tailEnd type="triangle"/>
+          </a:ln>
+        </p:spPr>
+        <p:style>
+          <a:lnRef idx="1">
+            <a:schemeClr val="accent1"/>
+          </a:lnRef>
+          <a:fillRef idx="0">
+            <a:schemeClr val="accent1"/>
+          </a:fillRef>
+          <a:effectRef idx="0">
+            <a:schemeClr val="accent1"/>
+          </a:effectRef>
+          <a:fontRef idx="minor">
+            <a:schemeClr val="tx1"/>
+          </a:fontRef>
+        </p:style>
+      </p:cxnSp>
+      <p:cxnSp>
+        <p:nvCxnSpPr>
+          <p:cNvPr id="39" name="Прямая со стрелкой 38">
+            <a:extLst>
+              <a:ext uri="{FF2B5EF4-FFF2-40B4-BE49-F238E27FC236}">
+                <a16:creationId xmlns:a16="http://schemas.microsoft.com/office/drawing/2014/main" id="{49FFA51B-9970-43F1-AA28-5420A8F2C26F}"/>
+              </a:ext>
+            </a:extLst>
+          </p:cNvPr>
+          <p:cNvCxnSpPr/>
+          <p:nvPr/>
+        </p:nvCxnSpPr>
+        <p:spPr>
+          <a:xfrm flipH="1">
+            <a:off x="1452099" y="2575642"/>
+            <a:ext cx="385103" cy="0"/>
+          </a:xfrm>
+          <a:prstGeom prst="straightConnector1">
+            <a:avLst/>
+          </a:prstGeom>
+          <a:ln>
+            <a:tailEnd type="triangle"/>
+          </a:ln>
+        </p:spPr>
+        <p:style>
+          <a:lnRef idx="1">
+            <a:schemeClr val="accent1"/>
+          </a:lnRef>
+          <a:fillRef idx="0">
+            <a:schemeClr val="accent1"/>
+          </a:fillRef>
+          <a:effectRef idx="0">
+            <a:schemeClr val="accent1"/>
+          </a:effectRef>
+          <a:fontRef idx="minor">
+            <a:schemeClr val="tx1"/>
+          </a:fontRef>
+        </p:style>
+      </p:cxnSp>
+      <p:pic>
+        <p:nvPicPr>
+          <p:cNvPr id="1054" name="Picture 30" descr="ÐÐ°ÑÑÐ¸Ð½ÐºÐ¸ Ð¿Ð¾ Ð·Ð°Ð¿ÑÐ¾ÑÑ Ð¸ÐºÐ¾Ð½ÐºÐ° whatsapp">
+            <a:extLst>
+              <a:ext uri="{FF2B5EF4-FFF2-40B4-BE49-F238E27FC236}">
+                <a16:creationId xmlns:a16="http://schemas.microsoft.com/office/drawing/2014/main" id="{80B025C1-287E-4FD1-B514-26CAB7E7B507}"/>
+              </a:ext>
+            </a:extLst>
+          </p:cNvPr>
+          <p:cNvPicPr>
+            <a:picLocks noChangeAspect="1" noChangeArrowheads="1"/>
+          </p:cNvPicPr>
+          <p:nvPr/>
+        </p:nvPicPr>
+        <p:blipFill>
+          <a:blip r:embed="rId8" cstate="email">
+            <a:extLst>
+              <a:ext uri="{28A0092B-C50C-407E-A947-70E740481C1C}">
+                <a14:useLocalDpi xmlns:a14="http://schemas.microsoft.com/office/drawing/2010/main" val="0"/>
+              </a:ext>
+            </a:extLst>
+          </a:blip>
+          <a:srcRect/>
+          <a:stretch>
+            <a:fillRect/>
+          </a:stretch>
+        </p:blipFill>
+        <p:spPr bwMode="auto">
+          <a:xfrm>
+            <a:off x="2002995" y="1779058"/>
+            <a:ext cx="531485" cy="531485"/>
+          </a:xfrm>
+          <a:prstGeom prst="rect">
+            <a:avLst/>
+          </a:prstGeom>
+          <a:noFill/>
+          <a:extLst>
+            <a:ext uri="{909E8E84-426E-40DD-AFC4-6F175D3DCCD1}">
+              <a14:hiddenFill xmlns:a14="http://schemas.microsoft.com/office/drawing/2010/main">
+                <a:solidFill>
+                  <a:srgbClr val="FFFFFF"/>
+                </a:solidFill>
+              </a14:hiddenFill>
+            </a:ext>
+          </a:extLst>
+        </p:spPr>
+      </p:pic>
+      <p:sp>
+        <p:nvSpPr>
+          <p:cNvPr id="26" name="TextBox 25">
+            <a:extLst>
+              <a:ext uri="{FF2B5EF4-FFF2-40B4-BE49-F238E27FC236}">
+                <a16:creationId xmlns:a16="http://schemas.microsoft.com/office/drawing/2014/main" id="{399D0452-4310-4726-9542-C2E9DBE4343C}"/>
+              </a:ext>
+            </a:extLst>
+          </p:cNvPr>
+          <p:cNvSpPr txBox="1"/>
+          <p:nvPr/>
+        </p:nvSpPr>
+        <p:spPr>
+          <a:xfrm>
+            <a:off x="9982201" y="3175614"/>
+            <a:ext cx="1914524" cy="646331"/>
+          </a:xfrm>
+          <a:prstGeom prst="rect">
+            <a:avLst/>
+          </a:prstGeom>
+          <a:noFill/>
+        </p:spPr>
+        <p:txBody>
+          <a:bodyPr wrap="square" rtlCol="0">
+            <a:spAutoFit/>
+          </a:bodyPr>
+          <a:lstStyle/>
+          <a:p>
+            <a:pPr algn="ctr"/>
+            <a:r>
+              <a:rPr lang="ru-RU" dirty="0"/>
+              <a:t>Ответственный ВСП</a:t>
+            </a:r>
+          </a:p>
+        </p:txBody>
+      </p:sp>
+      <p:sp>
+        <p:nvSpPr>
+          <p:cNvPr id="27" name="TextBox 26">
+            <a:extLst>
+              <a:ext uri="{FF2B5EF4-FFF2-40B4-BE49-F238E27FC236}">
+                <a16:creationId xmlns:a16="http://schemas.microsoft.com/office/drawing/2014/main" id="{A8DEC10E-421A-4C6A-A154-A7576BA42DD5}"/>
+              </a:ext>
+            </a:extLst>
+          </p:cNvPr>
+          <p:cNvSpPr txBox="1"/>
+          <p:nvPr/>
+        </p:nvSpPr>
+        <p:spPr>
+          <a:xfrm>
+            <a:off x="161925" y="3213714"/>
+            <a:ext cx="1545551" cy="646331"/>
+          </a:xfrm>
+          <a:prstGeom prst="rect">
+            <a:avLst/>
+          </a:prstGeom>
+          <a:noFill/>
+        </p:spPr>
+        <p:txBody>
+          <a:bodyPr wrap="none" rtlCol="0">
+            <a:spAutoFit/>
+          </a:bodyPr>
+          <a:lstStyle/>
+          <a:p>
+            <a:pPr algn="ctr"/>
+            <a:r>
+              <a:rPr lang="ru-RU" dirty="0"/>
+              <a:t>Недовольный</a:t>
+            </a:r>
+          </a:p>
+          <a:p>
+            <a:pPr algn="ctr"/>
+            <a:r>
+              <a:rPr lang="ru-RU" dirty="0"/>
+              <a:t>Клиент</a:t>
+            </a:r>
+          </a:p>
+        </p:txBody>
+      </p:sp>
+      <p:sp>
+        <p:nvSpPr>
+          <p:cNvPr id="28" name="TextBox 27">
+            <a:extLst>
+              <a:ext uri="{FF2B5EF4-FFF2-40B4-BE49-F238E27FC236}">
+                <a16:creationId xmlns:a16="http://schemas.microsoft.com/office/drawing/2014/main" id="{324431E6-7E92-4129-B469-6419114A8355}"/>
+              </a:ext>
+            </a:extLst>
+          </p:cNvPr>
+          <p:cNvSpPr txBox="1"/>
+          <p:nvPr/>
+        </p:nvSpPr>
+        <p:spPr>
+          <a:xfrm>
+            <a:off x="918374" y="4427164"/>
+            <a:ext cx="10549725" cy="1938992"/>
+          </a:xfrm>
+          <a:prstGeom prst="rect">
+            <a:avLst/>
+          </a:prstGeom>
+          <a:noFill/>
+        </p:spPr>
+        <p:txBody>
+          <a:bodyPr wrap="square" rtlCol="0">
+            <a:spAutoFit/>
+          </a:bodyPr>
+          <a:lstStyle/>
+          <a:p>
+            <a:r>
+              <a:rPr lang="ru-RU" sz="2000" dirty="0"/>
+              <a:t>Преимущества:</a:t>
+            </a:r>
+          </a:p>
+          <a:p>
+            <a:pPr marL="285750" indent="-285750">
+              <a:buFontTx/>
+              <a:buChar char="-"/>
+            </a:pPr>
+            <a:r>
+              <a:rPr lang="ru-RU" sz="2000" dirty="0"/>
+              <a:t>Единая платформа для различных способов коммуникации с клиентом.</a:t>
+            </a:r>
+          </a:p>
+          <a:p>
+            <a:pPr marL="285750" indent="-285750">
+              <a:buFontTx/>
+              <a:buChar char="-"/>
+            </a:pPr>
+            <a:r>
+              <a:rPr lang="ru-RU" sz="2000" dirty="0"/>
+              <a:t>Клиентский опыт </a:t>
+            </a:r>
+            <a:r>
+              <a:rPr lang="ru-RU" sz="2000" dirty="0" err="1"/>
+              <a:t>агрегируется</a:t>
+            </a:r>
+            <a:r>
+              <a:rPr lang="ru-RU" sz="2000" dirty="0"/>
+              <a:t> и анализируется в одном месте.</a:t>
+            </a:r>
+          </a:p>
+          <a:p>
+            <a:pPr marL="285750" indent="-285750">
+              <a:buFontTx/>
+              <a:buChar char="-"/>
+            </a:pPr>
+            <a:r>
+              <a:rPr lang="ru-RU" sz="2000" dirty="0" err="1"/>
+              <a:t>Платформонезависимый</a:t>
+            </a:r>
+            <a:r>
+              <a:rPr lang="ru-RU" sz="2000" dirty="0"/>
+              <a:t> пользовательский интерфейс для ответственных ВСП.</a:t>
+            </a:r>
+          </a:p>
+          <a:p>
+            <a:pPr marL="285750" indent="-285750">
+              <a:buFontTx/>
+              <a:buChar char="-"/>
+            </a:pPr>
+            <a:r>
+              <a:rPr lang="ru-RU" sz="2000" dirty="0"/>
+              <a:t>Возможность автоматизированной и ручной коммуникации с клиентом в одном канале.</a:t>
+            </a:r>
+          </a:p>
+          <a:p>
+            <a:pPr marL="285750" indent="-285750">
+              <a:buFontTx/>
+              <a:buChar char="-"/>
+            </a:pPr>
+            <a:endParaRPr lang="ru-RU" sz="2000" dirty="0"/>
+          </a:p>
+        </p:txBody>
+      </p:sp>
+    </p:spTree>
+  </p:cSld>
+  <p:clrMapOvr>
+    <a:masterClrMapping/>
+  </p:clrMapOvr>
+  <p:transition>
+    <p:fade/>
+  </p:transition>
+</p:sld>
+</file>
+
+<file path=ppt/slides/slide4.xml><?xml version="1.0" encoding="utf-8"?>
+<p:sld xmlns:a="http://schemas.openxmlformats.org/drawingml/2006/main" xmlns:r="http://schemas.openxmlformats.org/officeDocument/2006/relationships" xmlns:p="http://schemas.openxmlformats.org/presentationml/2006/main">
+  <p:cSld>
+    <p:spTree>
+      <p:nvGrpSpPr>
+        <p:cNvPr id="1" name=""/>
+        <p:cNvGrpSpPr/>
+        <p:nvPr/>
+      </p:nvGrpSpPr>
+      <p:grpSpPr>
+        <a:xfrm>
+          <a:off x="0" y="0"/>
+          <a:ext cx="0" cy="0"/>
+          <a:chOff x="0" y="0"/>
+          <a:chExt cx="0" cy="0"/>
+        </a:xfrm>
+      </p:grpSpPr>
+      <p:sp>
+        <p:nvSpPr>
+          <p:cNvPr id="2" name="Заголовок 1">
+            <a:extLst>
+              <a:ext uri="{FF2B5EF4-FFF2-40B4-BE49-F238E27FC236}">
+                <a16:creationId xmlns:a16="http://schemas.microsoft.com/office/drawing/2014/main" id="{50B1170F-6913-4005-83A1-79048F1ABAD8}"/>
+              </a:ext>
+            </a:extLst>
+          </p:cNvPr>
+          <p:cNvSpPr>
+            <a:spLocks noGrp="1"/>
+          </p:cNvSpPr>
+          <p:nvPr>
+            <p:ph type="title"/>
+          </p:nvPr>
+        </p:nvSpPr>
+        <p:spPr/>
+        <p:txBody>
+          <a:bodyPr/>
+          <a:lstStyle/>
+          <a:p>
+            <a:endParaRPr lang="ru-RU"/>
+          </a:p>
+        </p:txBody>
+      </p:sp>
+      <p:sp>
+        <p:nvSpPr>
+          <p:cNvPr id="3" name="Номер слайда 2">
+            <a:extLst>
+              <a:ext uri="{FF2B5EF4-FFF2-40B4-BE49-F238E27FC236}">
+                <a16:creationId xmlns:a16="http://schemas.microsoft.com/office/drawing/2014/main" id="{2805A711-A114-475C-917A-438376153F7D}"/>
               </a:ext>
             </a:extLst>
           </p:cNvPr>
@@ -6941,18 +8126,23 @@
             <a:pPr>
               <a:defRPr/>
             </a:pPr>
-            <a:fld id="{83D65E71-2A4E-4B71-8234-C0851E8AC765}" type="slidenum">
-              <a:rPr lang="ru-RU"/>
+            <a:fld id="{F8F29BF0-CBE9-44D5-BD66-64D8F5E7FD84}" type="slidenum">
+              <a:rPr lang="ru-RU" smtClean="0"/>
               <a:pPr>
                 <a:defRPr/>
               </a:pPr>
-              <a:t>2</a:t>
+              <a:t>4</a:t>
             </a:fld>
-            <a:endParaRPr lang="ru-RU" dirty="0"/>
+            <a:endParaRPr lang="ru-RU"/>
           </a:p>
         </p:txBody>
       </p:sp>
     </p:spTree>
+    <p:extLst>
+      <p:ext uri="{BB962C8B-B14F-4D97-AF65-F5344CB8AC3E}">
+        <p14:creationId xmlns:p14="http://schemas.microsoft.com/office/powerpoint/2010/main" val="4085050610"/>
+      </p:ext>
+    </p:extLst>
   </p:cSld>
   <p:clrMapOvr>
     <a:masterClrMapping/>
@@ -6960,17 +8150,527 @@
   <p:transition>
     <p:fade/>
   </p:transition>
-  <p:timing>
-    <p:tnLst>
-      <p:par>
-        <p:cTn id="1" dur="indefinite" restart="never" nodeType="tmRoot"/>
-      </p:par>
-    </p:tnLst>
-  </p:timing>
 </p:sld>
 </file>
 
-<file path=ppt/slides/slide3.xml><?xml version="1.0" encoding="utf-8"?>
+<file path=ppt/slides/slide5.xml><?xml version="1.0" encoding="utf-8"?>
+<p:sld xmlns:a="http://schemas.openxmlformats.org/drawingml/2006/main" xmlns:r="http://schemas.openxmlformats.org/officeDocument/2006/relationships" xmlns:p="http://schemas.openxmlformats.org/presentationml/2006/main">
+  <p:cSld>
+    <p:spTree>
+      <p:nvGrpSpPr>
+        <p:cNvPr id="1" name=""/>
+        <p:cNvGrpSpPr/>
+        <p:nvPr/>
+      </p:nvGrpSpPr>
+      <p:grpSpPr>
+        <a:xfrm>
+          <a:off x="0" y="0"/>
+          <a:ext cx="0" cy="0"/>
+          <a:chOff x="0" y="0"/>
+          <a:chExt cx="0" cy="0"/>
+        </a:xfrm>
+      </p:grpSpPr>
+      <p:sp>
+        <p:nvSpPr>
+          <p:cNvPr id="2" name="Заголовок 1">
+            <a:extLst>
+              <a:ext uri="{FF2B5EF4-FFF2-40B4-BE49-F238E27FC236}">
+                <a16:creationId xmlns:a16="http://schemas.microsoft.com/office/drawing/2014/main" id="{18B54D14-577F-458E-A014-65C83DD08891}"/>
+              </a:ext>
+            </a:extLst>
+          </p:cNvPr>
+          <p:cNvSpPr>
+            <a:spLocks noGrp="1"/>
+          </p:cNvSpPr>
+          <p:nvPr>
+            <p:ph type="title"/>
+          </p:nvPr>
+        </p:nvSpPr>
+        <p:spPr/>
+        <p:txBody>
+          <a:bodyPr/>
+          <a:lstStyle/>
+          <a:p>
+            <a:endParaRPr lang="ru-RU"/>
+          </a:p>
+        </p:txBody>
+      </p:sp>
+      <p:sp>
+        <p:nvSpPr>
+          <p:cNvPr id="3" name="Номер слайда 2">
+            <a:extLst>
+              <a:ext uri="{FF2B5EF4-FFF2-40B4-BE49-F238E27FC236}">
+                <a16:creationId xmlns:a16="http://schemas.microsoft.com/office/drawing/2014/main" id="{D497B871-CA19-4FF2-8A3A-EB26CD82F9C0}"/>
+              </a:ext>
+            </a:extLst>
+          </p:cNvPr>
+          <p:cNvSpPr>
+            <a:spLocks noGrp="1"/>
+          </p:cNvSpPr>
+          <p:nvPr>
+            <p:ph type="sldNum" sz="quarter" idx="14"/>
+          </p:nvPr>
+        </p:nvSpPr>
+        <p:spPr/>
+        <p:txBody>
+          <a:bodyPr/>
+          <a:lstStyle/>
+          <a:p>
+            <a:pPr>
+              <a:defRPr/>
+            </a:pPr>
+            <a:fld id="{F8F29BF0-CBE9-44D5-BD66-64D8F5E7FD84}" type="slidenum">
+              <a:rPr lang="ru-RU" smtClean="0"/>
+              <a:pPr>
+                <a:defRPr/>
+              </a:pPr>
+              <a:t>5</a:t>
+            </a:fld>
+            <a:endParaRPr lang="ru-RU"/>
+          </a:p>
+        </p:txBody>
+      </p:sp>
+      <p:sp>
+        <p:nvSpPr>
+          <p:cNvPr id="5" name="Номер слайда 3">
+            <a:extLst>
+              <a:ext uri="{FF2B5EF4-FFF2-40B4-BE49-F238E27FC236}">
+                <a16:creationId xmlns:a16="http://schemas.microsoft.com/office/drawing/2014/main" id="{589730D8-9646-4161-81BF-39E066D44043}"/>
+              </a:ext>
+            </a:extLst>
+          </p:cNvPr>
+          <p:cNvSpPr txBox="1">
+            <a:spLocks/>
+          </p:cNvSpPr>
+          <p:nvPr/>
+        </p:nvSpPr>
+        <p:spPr>
+          <a:xfrm>
+            <a:off x="11817350" y="6523038"/>
+            <a:ext cx="350838" cy="365125"/>
+          </a:xfrm>
+          <a:prstGeom prst="rect">
+            <a:avLst/>
+          </a:prstGeom>
+        </p:spPr>
+        <p:txBody>
+          <a:bodyPr vert="horz" wrap="none" lIns="91440" tIns="45720" rIns="91440" bIns="45720" rtlCol="0" anchor="ctr"/>
+          <a:lstStyle>
+            <a:defPPr>
+              <a:defRPr lang="ru-RU"/>
+            </a:defPPr>
+            <a:lvl1pPr algn="ctr" rtl="0" eaLnBrk="1" fontAlgn="auto" hangingPunct="1">
+              <a:spcBef>
+                <a:spcPts val="0"/>
+              </a:spcBef>
+              <a:spcAft>
+                <a:spcPts val="0"/>
+              </a:spcAft>
+              <a:defRPr sz="1050" kern="1200">
+                <a:solidFill>
+                  <a:schemeClr val="tx1">
+                    <a:alpha val="83000"/>
+                  </a:schemeClr>
+                </a:solidFill>
+                <a:latin typeface="+mn-lt"/>
+                <a:ea typeface="+mn-ea"/>
+                <a:cs typeface="+mn-cs"/>
+              </a:defRPr>
+            </a:lvl1pPr>
+            <a:lvl2pPr marL="457200" algn="l" rtl="0" eaLnBrk="0" fontAlgn="base" hangingPunct="0">
+              <a:spcBef>
+                <a:spcPct val="0"/>
+              </a:spcBef>
+              <a:spcAft>
+                <a:spcPct val="0"/>
+              </a:spcAft>
+              <a:defRPr kern="1200">
+                <a:solidFill>
+                  <a:schemeClr val="tx1"/>
+                </a:solidFill>
+                <a:latin typeface="Calibri" panose="020F0502020204030204" pitchFamily="34" charset="0"/>
+                <a:ea typeface="+mn-ea"/>
+                <a:cs typeface="+mn-cs"/>
+              </a:defRPr>
+            </a:lvl2pPr>
+            <a:lvl3pPr marL="914400" algn="l" rtl="0" eaLnBrk="0" fontAlgn="base" hangingPunct="0">
+              <a:spcBef>
+                <a:spcPct val="0"/>
+              </a:spcBef>
+              <a:spcAft>
+                <a:spcPct val="0"/>
+              </a:spcAft>
+              <a:defRPr kern="1200">
+                <a:solidFill>
+                  <a:schemeClr val="tx1"/>
+                </a:solidFill>
+                <a:latin typeface="Calibri" panose="020F0502020204030204" pitchFamily="34" charset="0"/>
+                <a:ea typeface="+mn-ea"/>
+                <a:cs typeface="+mn-cs"/>
+              </a:defRPr>
+            </a:lvl3pPr>
+            <a:lvl4pPr marL="1371600" algn="l" rtl="0" eaLnBrk="0" fontAlgn="base" hangingPunct="0">
+              <a:spcBef>
+                <a:spcPct val="0"/>
+              </a:spcBef>
+              <a:spcAft>
+                <a:spcPct val="0"/>
+              </a:spcAft>
+              <a:defRPr kern="1200">
+                <a:solidFill>
+                  <a:schemeClr val="tx1"/>
+                </a:solidFill>
+                <a:latin typeface="Calibri" panose="020F0502020204030204" pitchFamily="34" charset="0"/>
+                <a:ea typeface="+mn-ea"/>
+                <a:cs typeface="+mn-cs"/>
+              </a:defRPr>
+            </a:lvl4pPr>
+            <a:lvl5pPr marL="1828800" algn="l" rtl="0" eaLnBrk="0" fontAlgn="base" hangingPunct="0">
+              <a:spcBef>
+                <a:spcPct val="0"/>
+              </a:spcBef>
+              <a:spcAft>
+                <a:spcPct val="0"/>
+              </a:spcAft>
+              <a:defRPr kern="1200">
+                <a:solidFill>
+                  <a:schemeClr val="tx1"/>
+                </a:solidFill>
+                <a:latin typeface="Calibri" panose="020F0502020204030204" pitchFamily="34" charset="0"/>
+                <a:ea typeface="+mn-ea"/>
+                <a:cs typeface="+mn-cs"/>
+              </a:defRPr>
+            </a:lvl5pPr>
+            <a:lvl6pPr marL="2286000" algn="l" defTabSz="914400" rtl="0" eaLnBrk="1" latinLnBrk="0" hangingPunct="1">
+              <a:defRPr kern="1200">
+                <a:solidFill>
+                  <a:schemeClr val="tx1"/>
+                </a:solidFill>
+                <a:latin typeface="Calibri" panose="020F0502020204030204" pitchFamily="34" charset="0"/>
+                <a:ea typeface="+mn-ea"/>
+                <a:cs typeface="+mn-cs"/>
+              </a:defRPr>
+            </a:lvl6pPr>
+            <a:lvl7pPr marL="2743200" algn="l" defTabSz="914400" rtl="0" eaLnBrk="1" latinLnBrk="0" hangingPunct="1">
+              <a:defRPr kern="1200">
+                <a:solidFill>
+                  <a:schemeClr val="tx1"/>
+                </a:solidFill>
+                <a:latin typeface="Calibri" panose="020F0502020204030204" pitchFamily="34" charset="0"/>
+                <a:ea typeface="+mn-ea"/>
+                <a:cs typeface="+mn-cs"/>
+              </a:defRPr>
+            </a:lvl7pPr>
+            <a:lvl8pPr marL="3200400" algn="l" defTabSz="914400" rtl="0" eaLnBrk="1" latinLnBrk="0" hangingPunct="1">
+              <a:defRPr kern="1200">
+                <a:solidFill>
+                  <a:schemeClr val="tx1"/>
+                </a:solidFill>
+                <a:latin typeface="Calibri" panose="020F0502020204030204" pitchFamily="34" charset="0"/>
+                <a:ea typeface="+mn-ea"/>
+                <a:cs typeface="+mn-cs"/>
+              </a:defRPr>
+            </a:lvl8pPr>
+            <a:lvl9pPr marL="3657600" algn="l" defTabSz="914400" rtl="0" eaLnBrk="1" latinLnBrk="0" hangingPunct="1">
+              <a:defRPr kern="1200">
+                <a:solidFill>
+                  <a:schemeClr val="tx1"/>
+                </a:solidFill>
+                <a:latin typeface="Calibri" panose="020F0502020204030204" pitchFamily="34" charset="0"/>
+                <a:ea typeface="+mn-ea"/>
+                <a:cs typeface="+mn-cs"/>
+              </a:defRPr>
+            </a:lvl9pPr>
+          </a:lstStyle>
+          <a:p>
+            <a:pPr>
+              <a:defRPr/>
+            </a:pPr>
+            <a:fld id="{83D65E71-2A4E-4B71-8234-C0851E8AC765}" type="slidenum">
+              <a:rPr lang="ru-RU" smtClean="0"/>
+              <a:pPr>
+                <a:defRPr/>
+              </a:pPr>
+              <a:t>5</a:t>
+            </a:fld>
+            <a:endParaRPr lang="ru-RU" dirty="0"/>
+          </a:p>
+        </p:txBody>
+      </p:sp>
+      <p:pic>
+        <p:nvPicPr>
+          <p:cNvPr id="6" name="Picture 4" descr="ÐÐ°ÑÑÐ¸Ð½ÐºÐ¸ Ð¿Ð¾ Ð·Ð°Ð¿ÑÐ¾ÑÑ ÑÐµÐ»Ð¾Ð²ÐµÑÐµÐº Ð´Ð»Ñ Ð¿ÑÐµÐ·ÐµÐ½ÑÐ°ÑÐ¸Ð¸">
+            <a:extLst>
+              <a:ext uri="{FF2B5EF4-FFF2-40B4-BE49-F238E27FC236}">
+                <a16:creationId xmlns:a16="http://schemas.microsoft.com/office/drawing/2014/main" id="{4D447840-6E1A-40FE-A65F-5420EBDD4157}"/>
+              </a:ext>
+            </a:extLst>
+          </p:cNvPr>
+          <p:cNvPicPr>
+            <a:picLocks noChangeAspect="1" noChangeArrowheads="1"/>
+          </p:cNvPicPr>
+          <p:nvPr/>
+        </p:nvPicPr>
+        <p:blipFill>
+          <a:blip r:embed="rId2" cstate="email">
+            <a:extLst>
+              <a:ext uri="{28A0092B-C50C-407E-A947-70E740481C1C}">
+                <a14:useLocalDpi xmlns:a14="http://schemas.microsoft.com/office/drawing/2010/main" val="0"/>
+              </a:ext>
+            </a:extLst>
+          </a:blip>
+          <a:srcRect/>
+          <a:stretch>
+            <a:fillRect/>
+          </a:stretch>
+        </p:blipFill>
+        <p:spPr bwMode="auto">
+          <a:xfrm>
+            <a:off x="10302240" y="4645013"/>
+            <a:ext cx="1889760" cy="1696060"/>
+          </a:xfrm>
+          <a:prstGeom prst="rect">
+            <a:avLst/>
+          </a:prstGeom>
+          <a:noFill/>
+          <a:extLst>
+            <a:ext uri="{909E8E84-426E-40DD-AFC4-6F175D3DCCD1}">
+              <a14:hiddenFill xmlns:a14="http://schemas.microsoft.com/office/drawing/2010/main">
+                <a:solidFill>
+                  <a:srgbClr val="FFFFFF"/>
+                </a:solidFill>
+              </a14:hiddenFill>
+            </a:ext>
+          </a:extLst>
+        </p:spPr>
+      </p:pic>
+      <p:pic>
+        <p:nvPicPr>
+          <p:cNvPr id="7" name="Picture 8" descr="ÐÐ°ÑÑÐ¸Ð½ÐºÐ¸ Ð¿Ð¾ Ð·Ð°Ð¿ÑÐ¾ÑÑ ÑÐµÐ»Ð¾Ð²ÐµÑÐµÐº Ð´Ð»Ñ Ð¿ÑÐµÐ·ÐµÐ½ÑÐ°ÑÐ¸Ð¸">
+            <a:extLst>
+              <a:ext uri="{FF2B5EF4-FFF2-40B4-BE49-F238E27FC236}">
+                <a16:creationId xmlns:a16="http://schemas.microsoft.com/office/drawing/2014/main" id="{1D297687-D4D2-4BE3-B9A8-463E5A257E22}"/>
+              </a:ext>
+            </a:extLst>
+          </p:cNvPr>
+          <p:cNvPicPr>
+            <a:picLocks noChangeAspect="1" noChangeArrowheads="1"/>
+          </p:cNvPicPr>
+          <p:nvPr/>
+        </p:nvPicPr>
+        <p:blipFill>
+          <a:blip r:embed="rId3" cstate="email">
+            <a:extLst>
+              <a:ext uri="{28A0092B-C50C-407E-A947-70E740481C1C}">
+                <a14:useLocalDpi xmlns:a14="http://schemas.microsoft.com/office/drawing/2010/main" val="0"/>
+              </a:ext>
+            </a:extLst>
+          </a:blip>
+          <a:srcRect/>
+          <a:stretch>
+            <a:fillRect/>
+          </a:stretch>
+        </p:blipFill>
+        <p:spPr bwMode="auto">
+          <a:xfrm>
+            <a:off x="8307637" y="4141787"/>
+            <a:ext cx="2439806" cy="2381251"/>
+          </a:xfrm>
+          <a:prstGeom prst="rect">
+            <a:avLst/>
+          </a:prstGeom>
+          <a:noFill/>
+          <a:extLst>
+            <a:ext uri="{909E8E84-426E-40DD-AFC4-6F175D3DCCD1}">
+              <a14:hiddenFill xmlns:a14="http://schemas.microsoft.com/office/drawing/2010/main">
+                <a:solidFill>
+                  <a:srgbClr val="FFFFFF"/>
+                </a:solidFill>
+              </a14:hiddenFill>
+            </a:ext>
+          </a:extLst>
+        </p:spPr>
+      </p:pic>
+      <p:pic>
+        <p:nvPicPr>
+          <p:cNvPr id="8" name="Picture 10" descr="ÐÐ°ÑÑÐ¸Ð½ÐºÐ¸ Ð¿Ð¾ Ð·Ð°Ð¿ÑÐ¾ÑÑ ÑÐµÐ»Ð¾Ð²ÐµÑÐµÐº Ð´Ð»Ñ Ð¿ÑÐµÐ·ÐµÐ½ÑÐ°ÑÐ¸Ð¸">
+            <a:extLst>
+              <a:ext uri="{FF2B5EF4-FFF2-40B4-BE49-F238E27FC236}">
+                <a16:creationId xmlns:a16="http://schemas.microsoft.com/office/drawing/2014/main" id="{3AACE48A-76DA-4089-8DFE-D5DAD880A43D}"/>
+              </a:ext>
+            </a:extLst>
+          </p:cNvPr>
+          <p:cNvPicPr>
+            <a:picLocks noChangeAspect="1" noChangeArrowheads="1"/>
+          </p:cNvPicPr>
+          <p:nvPr/>
+        </p:nvPicPr>
+        <p:blipFill>
+          <a:blip r:embed="rId4" cstate="email">
+            <a:extLst>
+              <a:ext uri="{28A0092B-C50C-407E-A947-70E740481C1C}">
+                <a14:useLocalDpi xmlns:a14="http://schemas.microsoft.com/office/drawing/2010/main" val="0"/>
+              </a:ext>
+            </a:extLst>
+          </a:blip>
+          <a:srcRect/>
+          <a:stretch>
+            <a:fillRect/>
+          </a:stretch>
+        </p:blipFill>
+        <p:spPr bwMode="auto">
+          <a:xfrm>
+            <a:off x="2667000" y="4943474"/>
+            <a:ext cx="1914525" cy="1914525"/>
+          </a:xfrm>
+          <a:prstGeom prst="rect">
+            <a:avLst/>
+          </a:prstGeom>
+          <a:noFill/>
+          <a:extLst>
+            <a:ext uri="{909E8E84-426E-40DD-AFC4-6F175D3DCCD1}">
+              <a14:hiddenFill xmlns:a14="http://schemas.microsoft.com/office/drawing/2010/main">
+                <a:solidFill>
+                  <a:srgbClr val="FFFFFF"/>
+                </a:solidFill>
+              </a14:hiddenFill>
+            </a:ext>
+          </a:extLst>
+        </p:spPr>
+      </p:pic>
+      <p:pic>
+        <p:nvPicPr>
+          <p:cNvPr id="9" name="Picture 14" descr="ÐÐ°ÑÑÐ¸Ð½ÐºÐ¸ Ð¿Ð¾ Ð·Ð°Ð¿ÑÐ¾ÑÑ ÑÐµÐ»Ð¾Ð²ÐµÑÐµÐº Ð´Ð»Ñ Ð¿ÑÐµÐ·ÐµÐ½ÑÐ°ÑÐ¸Ð¸">
+            <a:extLst>
+              <a:ext uri="{FF2B5EF4-FFF2-40B4-BE49-F238E27FC236}">
+                <a16:creationId xmlns:a16="http://schemas.microsoft.com/office/drawing/2014/main" id="{17F5E6D5-1568-4E5F-A8AB-EBE0E5927106}"/>
+              </a:ext>
+            </a:extLst>
+          </p:cNvPr>
+          <p:cNvPicPr>
+            <a:picLocks noChangeAspect="1" noChangeArrowheads="1"/>
+          </p:cNvPicPr>
+          <p:nvPr/>
+        </p:nvPicPr>
+        <p:blipFill>
+          <a:blip r:embed="rId5" cstate="email">
+            <a:extLst>
+              <a:ext uri="{28A0092B-C50C-407E-A947-70E740481C1C}">
+                <a14:useLocalDpi xmlns:a14="http://schemas.microsoft.com/office/drawing/2010/main" val="0"/>
+              </a:ext>
+            </a:extLst>
+          </a:blip>
+          <a:srcRect/>
+          <a:stretch>
+            <a:fillRect/>
+          </a:stretch>
+        </p:blipFill>
+        <p:spPr bwMode="auto">
+          <a:xfrm>
+            <a:off x="5745508" y="4451313"/>
+            <a:ext cx="1889760" cy="1889760"/>
+          </a:xfrm>
+          <a:prstGeom prst="rect">
+            <a:avLst/>
+          </a:prstGeom>
+          <a:noFill/>
+          <a:extLst>
+            <a:ext uri="{909E8E84-426E-40DD-AFC4-6F175D3DCCD1}">
+              <a14:hiddenFill xmlns:a14="http://schemas.microsoft.com/office/drawing/2010/main">
+                <a:solidFill>
+                  <a:srgbClr val="FFFFFF"/>
+                </a:solidFill>
+              </a14:hiddenFill>
+            </a:ext>
+          </a:extLst>
+        </p:spPr>
+      </p:pic>
+      <p:sp>
+        <p:nvSpPr>
+          <p:cNvPr id="10" name="TextBox 9">
+            <a:extLst>
+              <a:ext uri="{FF2B5EF4-FFF2-40B4-BE49-F238E27FC236}">
+                <a16:creationId xmlns:a16="http://schemas.microsoft.com/office/drawing/2014/main" id="{2B07A133-F825-481D-835A-61B8D5B57852}"/>
+              </a:ext>
+            </a:extLst>
+          </p:cNvPr>
+          <p:cNvSpPr txBox="1"/>
+          <p:nvPr/>
+        </p:nvSpPr>
+        <p:spPr>
+          <a:xfrm>
+            <a:off x="931991" y="4200525"/>
+            <a:ext cx="9936033" cy="1200329"/>
+          </a:xfrm>
+          <a:prstGeom prst="rect">
+            <a:avLst/>
+          </a:prstGeom>
+          <a:noFill/>
+        </p:spPr>
+        <p:txBody>
+          <a:bodyPr wrap="square" rtlCol="0">
+            <a:spAutoFit/>
+          </a:bodyPr>
+          <a:lstStyle/>
+          <a:p>
+            <a:r>
+              <a:rPr lang="ru-RU" dirty="0"/>
+              <a:t>Серверная часть (бот) – единая платформа для различных способов коммуникации с клиентом</a:t>
+            </a:r>
+            <a:r>
+              <a:rPr lang="en-US" dirty="0"/>
+              <a:t>: </a:t>
+            </a:r>
+          </a:p>
+          <a:p>
+            <a:pPr marL="285750" indent="-285750">
+              <a:buFontTx/>
+              <a:buChar char="-"/>
+            </a:pPr>
+            <a:r>
+              <a:rPr lang="ru-RU" dirty="0"/>
+              <a:t>Определяет категорию жалобы (воронка вопросов);</a:t>
+            </a:r>
+          </a:p>
+          <a:p>
+            <a:pPr marL="285750" indent="-285750">
+              <a:buFontTx/>
+              <a:buChar char="-"/>
+            </a:pPr>
+            <a:r>
+              <a:rPr lang="ru-RU" dirty="0"/>
+              <a:t>Ведет статистику для последующего анализа жалоб;</a:t>
+            </a:r>
+          </a:p>
+          <a:p>
+            <a:pPr marL="285750" indent="-285750">
+              <a:buFontTx/>
+              <a:buChar char="-"/>
+            </a:pPr>
+            <a:r>
+              <a:rPr lang="ru-RU" dirty="0"/>
+              <a:t>Позволяет сделать предложение услуги на основе клиентского опыта</a:t>
+            </a:r>
+          </a:p>
+        </p:txBody>
+      </p:sp>
+    </p:spTree>
+    <p:extLst>
+      <p:ext uri="{BB962C8B-B14F-4D97-AF65-F5344CB8AC3E}">
+        <p14:creationId xmlns:p14="http://schemas.microsoft.com/office/powerpoint/2010/main" val="1693551163"/>
+      </p:ext>
+    </p:extLst>
+  </p:cSld>
+  <p:clrMapOvr>
+    <a:masterClrMapping/>
+  </p:clrMapOvr>
+  <p:transition>
+    <p:fade/>
+  </p:transition>
+</p:sld>
+</file>
+
+<file path=ppt/slides/slide6.xml><?xml version="1.0" encoding="utf-8"?>
 <p:sld xmlns:a="http://schemas.openxmlformats.org/drawingml/2006/main" xmlns:r="http://schemas.openxmlformats.org/officeDocument/2006/relationships" xmlns:p="http://schemas.openxmlformats.org/presentationml/2006/main">
   <p:cSld>
     <p:spTree>
@@ -7075,7 +8775,7 @@
                 </a:solidFill>
               </a:rPr>
               <a:pPr/>
-              <a:t>3</a:t>
+              <a:t>6</a:t>
             </a:fld>
             <a:endParaRPr lang="ru-RU">
               <a:solidFill>
@@ -7109,7 +8809,7 @@
           <a:lstStyle/>
           <a:p>
             <a:r>
-              <a:rPr lang="ru-RU" sz="6600" dirty="0" smtClean="0">
+              <a:rPr lang="ru-RU" sz="6600" dirty="0">
                 <a:solidFill>
                   <a:schemeClr val="bg1"/>
                 </a:solidFill>
@@ -7117,12 +8817,6 @@
               </a:rPr>
               <a:t>СПАСИБО ЗА ВНИМАНИЕ!</a:t>
             </a:r>
-            <a:endParaRPr lang="ru-RU" sz="6600" dirty="0">
-              <a:solidFill>
-                <a:schemeClr val="bg1"/>
-              </a:solidFill>
-              <a:latin typeface="Gilroy Light" pitchFamily="50" charset="-52"/>
-            </a:endParaRPr>
           </a:p>
         </p:txBody>
       </p:sp>
@@ -11369,13 +13063,6 @@
   <p:transition>
     <p:fade/>
   </p:transition>
-  <p:timing>
-    <p:tnLst>
-      <p:par>
-        <p:cTn id="1" dur="indefinite" restart="never" nodeType="tmRoot"/>
-      </p:par>
-    </p:tnLst>
-  </p:timing>
 </p:sld>
 </file>
 
@@ -11574,7 +13261,7 @@
   <a:extraClrSchemeLst/>
   <a:extLst>
     <a:ext uri="{05A4C25C-085E-4340-85A3-A5531E510DB2}">
-      <thm15:themeFamily xmlns:thm15="http://schemas.microsoft.com/office/thememl/2012/main" xmlns="" name="Office Theme" id="{62F939B6-93AF-4DB8-9C6B-D6C7DFDC589F}" vid="{4A3C46E8-61CC-4603-A589-7422A47A8E4A}"/>
+      <thm15:themeFamily xmlns:thm15="http://schemas.microsoft.com/office/thememl/2012/main" name="Office Theme" id="{62F939B6-93AF-4DB8-9C6B-D6C7DFDC589F}" vid="{4A3C46E8-61CC-4603-A589-7422A47A8E4A}"/>
     </a:ext>
   </a:extLst>
 </a:theme>
@@ -11835,7 +13522,7 @@
   <a:extraClrSchemeLst/>
   <a:extLst>
     <a:ext uri="{05A4C25C-085E-4340-85A3-A5531E510DB2}">
-      <thm15:themeFamily xmlns:thm15="http://schemas.microsoft.com/office/thememl/2012/main" xmlns="" name="Office Theme" id="{62F939B6-93AF-4DB8-9C6B-D6C7DFDC589F}" vid="{4A3C46E8-61CC-4603-A589-7422A47A8E4A}"/>
+      <thm15:themeFamily xmlns:thm15="http://schemas.microsoft.com/office/thememl/2012/main" name="Office Theme" id="{62F939B6-93AF-4DB8-9C6B-D6C7DFDC589F}" vid="{4A3C46E8-61CC-4603-A589-7422A47A8E4A}"/>
     </a:ext>
   </a:extLst>
 </a:theme>

--- a/Хакатон_УР.pptx
+++ b/Хакатон_УР.pptx
@@ -276,7 +276,7 @@
               <a:pPr>
                 <a:defRPr/>
               </a:pPr>
-              <a:t>01.11.2018</a:t>
+              <a:t>02.11.2018</a:t>
             </a:fld>
             <a:endParaRPr lang="ru-RU"/>
           </a:p>
@@ -7969,8 +7969,8 @@
         </p:nvSpPr>
         <p:spPr>
           <a:xfrm>
-            <a:off x="918374" y="4427164"/>
-            <a:ext cx="10549725" cy="1938992"/>
+            <a:off x="450850" y="4264604"/>
+            <a:ext cx="11290300" cy="2246769"/>
           </a:xfrm>
           <a:prstGeom prst="rect">
             <a:avLst/>
@@ -8038,6 +8038,16 @@
             <a:r>
               <a:rPr lang="ru-RU" sz="2000" dirty="0"/>
               <a:t>Возможность автоматизированной и ручной коммуникации с клиентом в одном канале.</a:t>
+            </a:r>
+          </a:p>
+          <a:p>
+            <a:pPr marL="285750" indent="-285750">
+              <a:buFontTx/>
+              <a:buChar char="-"/>
+            </a:pPr>
+            <a:r>
+              <a:rPr lang="ru-RU" sz="2000" dirty="0"/>
+              <a:t>Для Клиента нет необходимости писать текст, есть возможность просто выбрать варианты ответов.</a:t>
             </a:r>
           </a:p>
           <a:p>

--- a/Хакатон_УР.pptx
+++ b/Хакатон_УР.pptx
@@ -5,7 +5,7 @@
     <p:sldMasterId id="2147483660" r:id="rId1"/>
   </p:sldMasterIdLst>
   <p:notesMasterIdLst>
-    <p:notesMasterId r:id="rId8"/>
+    <p:notesMasterId r:id="rId9"/>
   </p:notesMasterIdLst>
   <p:sldIdLst>
     <p:sldId id="272" r:id="rId2"/>
@@ -13,7 +13,8 @@
     <p:sldId id="260" r:id="rId4"/>
     <p:sldId id="275" r:id="rId5"/>
     <p:sldId id="273" r:id="rId6"/>
-    <p:sldId id="271" r:id="rId7"/>
+    <p:sldId id="276" r:id="rId7"/>
+    <p:sldId id="271" r:id="rId8"/>
   </p:sldIdLst>
   <p:sldSz cx="12192000" cy="6858000"/>
   <p:notesSz cx="6858000" cy="9144000"/>
@@ -8182,31 +8183,6 @@
       </p:grpSpPr>
       <p:sp>
         <p:nvSpPr>
-          <p:cNvPr id="2" name="Заголовок 1">
-            <a:extLst>
-              <a:ext uri="{FF2B5EF4-FFF2-40B4-BE49-F238E27FC236}">
-                <a16:creationId xmlns:a16="http://schemas.microsoft.com/office/drawing/2014/main" id="{18B54D14-577F-458E-A014-65C83DD08891}"/>
-              </a:ext>
-            </a:extLst>
-          </p:cNvPr>
-          <p:cNvSpPr>
-            <a:spLocks noGrp="1"/>
-          </p:cNvSpPr>
-          <p:nvPr>
-            <p:ph type="title"/>
-          </p:nvPr>
-        </p:nvSpPr>
-        <p:spPr/>
-        <p:txBody>
-          <a:bodyPr/>
-          <a:lstStyle/>
-          <a:p>
-            <a:endParaRPr lang="ru-RU"/>
-          </a:p>
-        </p:txBody>
-      </p:sp>
-      <p:sp>
-        <p:nvSpPr>
           <p:cNvPr id="3" name="Номер слайда 2">
             <a:extLst>
               <a:ext uri="{FF2B5EF4-FFF2-40B4-BE49-F238E27FC236}">
@@ -8409,147 +8385,6 @@
       </p:sp>
       <p:pic>
         <p:nvPicPr>
-          <p:cNvPr id="6" name="Picture 4" descr="ÐÐ°ÑÑÐ¸Ð½ÐºÐ¸ Ð¿Ð¾ Ð·Ð°Ð¿ÑÐ¾ÑÑ ÑÐµÐ»Ð¾Ð²ÐµÑÐµÐº Ð´Ð»Ñ Ð¿ÑÐµÐ·ÐµÐ½ÑÐ°ÑÐ¸Ð¸">
-            <a:extLst>
-              <a:ext uri="{FF2B5EF4-FFF2-40B4-BE49-F238E27FC236}">
-                <a16:creationId xmlns:a16="http://schemas.microsoft.com/office/drawing/2014/main" id="{4D447840-6E1A-40FE-A65F-5420EBDD4157}"/>
-              </a:ext>
-            </a:extLst>
-          </p:cNvPr>
-          <p:cNvPicPr>
-            <a:picLocks noChangeAspect="1" noChangeArrowheads="1"/>
-          </p:cNvPicPr>
-          <p:nvPr/>
-        </p:nvPicPr>
-        <p:blipFill>
-          <a:blip r:embed="rId2" cstate="email">
-            <a:extLst>
-              <a:ext uri="{28A0092B-C50C-407E-A947-70E740481C1C}">
-                <a14:useLocalDpi xmlns:a14="http://schemas.microsoft.com/office/drawing/2010/main" val="0"/>
-              </a:ext>
-            </a:extLst>
-          </a:blip>
-          <a:srcRect/>
-          <a:stretch>
-            <a:fillRect/>
-          </a:stretch>
-        </p:blipFill>
-        <p:spPr bwMode="auto">
-          <a:xfrm>
-            <a:off x="10302240" y="4645013"/>
-            <a:ext cx="1889760" cy="1696060"/>
-          </a:xfrm>
-          <a:prstGeom prst="rect">
-            <a:avLst/>
-          </a:prstGeom>
-          <a:noFill/>
-          <a:extLst>
-            <a:ext uri="{909E8E84-426E-40DD-AFC4-6F175D3DCCD1}">
-              <a14:hiddenFill xmlns:a14="http://schemas.microsoft.com/office/drawing/2010/main">
-                <a:solidFill>
-                  <a:srgbClr val="FFFFFF"/>
-                </a:solidFill>
-              </a14:hiddenFill>
-            </a:ext>
-          </a:extLst>
-        </p:spPr>
-      </p:pic>
-      <p:pic>
-        <p:nvPicPr>
-          <p:cNvPr id="7" name="Picture 8" descr="ÐÐ°ÑÑÐ¸Ð½ÐºÐ¸ Ð¿Ð¾ Ð·Ð°Ð¿ÑÐ¾ÑÑ ÑÐµÐ»Ð¾Ð²ÐµÑÐµÐº Ð´Ð»Ñ Ð¿ÑÐµÐ·ÐµÐ½ÑÐ°ÑÐ¸Ð¸">
-            <a:extLst>
-              <a:ext uri="{FF2B5EF4-FFF2-40B4-BE49-F238E27FC236}">
-                <a16:creationId xmlns:a16="http://schemas.microsoft.com/office/drawing/2014/main" id="{1D297687-D4D2-4BE3-B9A8-463E5A257E22}"/>
-              </a:ext>
-            </a:extLst>
-          </p:cNvPr>
-          <p:cNvPicPr>
-            <a:picLocks noChangeAspect="1" noChangeArrowheads="1"/>
-          </p:cNvPicPr>
-          <p:nvPr/>
-        </p:nvPicPr>
-        <p:blipFill>
-          <a:blip r:embed="rId3" cstate="email">
-            <a:extLst>
-              <a:ext uri="{28A0092B-C50C-407E-A947-70E740481C1C}">
-                <a14:useLocalDpi xmlns:a14="http://schemas.microsoft.com/office/drawing/2010/main" val="0"/>
-              </a:ext>
-            </a:extLst>
-          </a:blip>
-          <a:srcRect/>
-          <a:stretch>
-            <a:fillRect/>
-          </a:stretch>
-        </p:blipFill>
-        <p:spPr bwMode="auto">
-          <a:xfrm>
-            <a:off x="8307637" y="4141787"/>
-            <a:ext cx="2439806" cy="2381251"/>
-          </a:xfrm>
-          <a:prstGeom prst="rect">
-            <a:avLst/>
-          </a:prstGeom>
-          <a:noFill/>
-          <a:extLst>
-            <a:ext uri="{909E8E84-426E-40DD-AFC4-6F175D3DCCD1}">
-              <a14:hiddenFill xmlns:a14="http://schemas.microsoft.com/office/drawing/2010/main">
-                <a:solidFill>
-                  <a:srgbClr val="FFFFFF"/>
-                </a:solidFill>
-              </a14:hiddenFill>
-            </a:ext>
-          </a:extLst>
-        </p:spPr>
-      </p:pic>
-      <p:pic>
-        <p:nvPicPr>
-          <p:cNvPr id="8" name="Picture 10" descr="ÐÐ°ÑÑÐ¸Ð½ÐºÐ¸ Ð¿Ð¾ Ð·Ð°Ð¿ÑÐ¾ÑÑ ÑÐµÐ»Ð¾Ð²ÐµÑÐµÐº Ð´Ð»Ñ Ð¿ÑÐµÐ·ÐµÐ½ÑÐ°ÑÐ¸Ð¸">
-            <a:extLst>
-              <a:ext uri="{FF2B5EF4-FFF2-40B4-BE49-F238E27FC236}">
-                <a16:creationId xmlns:a16="http://schemas.microsoft.com/office/drawing/2014/main" id="{3AACE48A-76DA-4089-8DFE-D5DAD880A43D}"/>
-              </a:ext>
-            </a:extLst>
-          </p:cNvPr>
-          <p:cNvPicPr>
-            <a:picLocks noChangeAspect="1" noChangeArrowheads="1"/>
-          </p:cNvPicPr>
-          <p:nvPr/>
-        </p:nvPicPr>
-        <p:blipFill>
-          <a:blip r:embed="rId4" cstate="email">
-            <a:extLst>
-              <a:ext uri="{28A0092B-C50C-407E-A947-70E740481C1C}">
-                <a14:useLocalDpi xmlns:a14="http://schemas.microsoft.com/office/drawing/2010/main" val="0"/>
-              </a:ext>
-            </a:extLst>
-          </a:blip>
-          <a:srcRect/>
-          <a:stretch>
-            <a:fillRect/>
-          </a:stretch>
-        </p:blipFill>
-        <p:spPr bwMode="auto">
-          <a:xfrm>
-            <a:off x="2667000" y="4943474"/>
-            <a:ext cx="1914525" cy="1914525"/>
-          </a:xfrm>
-          <a:prstGeom prst="rect">
-            <a:avLst/>
-          </a:prstGeom>
-          <a:noFill/>
-          <a:extLst>
-            <a:ext uri="{909E8E84-426E-40DD-AFC4-6F175D3DCCD1}">
-              <a14:hiddenFill xmlns:a14="http://schemas.microsoft.com/office/drawing/2010/main">
-                <a:solidFill>
-                  <a:srgbClr val="FFFFFF"/>
-                </a:solidFill>
-              </a14:hiddenFill>
-            </a:ext>
-          </a:extLst>
-        </p:spPr>
-      </p:pic>
-      <p:pic>
-        <p:nvPicPr>
           <p:cNvPr id="9" name="Picture 14" descr="ÐÐ°ÑÑÐ¸Ð½ÐºÐ¸ Ð¿Ð¾ Ð·Ð°Ð¿ÑÐ¾ÑÑ ÑÐµÐ»Ð¾Ð²ÐµÑÐµÐº Ð´Ð»Ñ Ð¿ÑÐµÐ·ÐµÐ½ÑÐ°ÑÐ¸Ð¸">
             <a:extLst>
               <a:ext uri="{FF2B5EF4-FFF2-40B4-BE49-F238E27FC236}">
@@ -8563,7 +8398,7 @@
           <p:nvPr/>
         </p:nvPicPr>
         <p:blipFill>
-          <a:blip r:embed="rId5" cstate="email">
+          <a:blip r:embed="rId2" cstate="email">
             <a:extLst>
               <a:ext uri="{28A0092B-C50C-407E-A947-70E740481C1C}">
                 <a14:useLocalDpi xmlns:a14="http://schemas.microsoft.com/office/drawing/2010/main" val="0"/>
@@ -8597,28 +8432,218 @@
       </p:pic>
       <p:sp>
         <p:nvSpPr>
-          <p:cNvPr id="10" name="TextBox 9">
-            <a:extLst>
-              <a:ext uri="{FF2B5EF4-FFF2-40B4-BE49-F238E27FC236}">
-                <a16:creationId xmlns:a16="http://schemas.microsoft.com/office/drawing/2014/main" id="{2B07A133-F825-481D-835A-61B8D5B57852}"/>
-              </a:ext>
-            </a:extLst>
-          </p:cNvPr>
-          <p:cNvSpPr txBox="1"/>
+          <p:cNvPr id="11" name="Заголовок 6"/>
+          <p:cNvSpPr>
+            <a:spLocks noGrp="1"/>
+          </p:cNvSpPr>
+          <p:nvPr>
+            <p:ph type="title"/>
+          </p:nvPr>
+        </p:nvSpPr>
+        <p:spPr>
+          <a:xfrm>
+            <a:off x="327171" y="190500"/>
+            <a:ext cx="11569554" cy="561975"/>
+          </a:xfrm>
+        </p:spPr>
+        <p:txBody>
+          <a:bodyPr/>
+          <a:lstStyle/>
+          <a:p>
+            <a:pPr algn="ctr"/>
+            <a:r>
+              <a:rPr lang="ru-RU" dirty="0" smtClean="0"/>
+              <a:t>Варианты развития</a:t>
+            </a:r>
+            <a:endParaRPr lang="ru-RU" dirty="0"/>
+          </a:p>
+        </p:txBody>
+      </p:sp>
+      <p:sp>
+        <p:nvSpPr>
+          <p:cNvPr id="4" name="Прямоугольник 3"/>
+          <p:cNvSpPr/>
           <p:nvPr/>
         </p:nvSpPr>
         <p:spPr>
           <a:xfrm>
-            <a:off x="931991" y="4200525"/>
-            <a:ext cx="9936033" cy="1200329"/>
+            <a:off x="475488" y="1217920"/>
+            <a:ext cx="11341862" cy="2585323"/>
           </a:xfrm>
           <a:prstGeom prst="rect">
             <a:avLst/>
           </a:prstGeom>
-          <a:noFill/>
         </p:spPr>
         <p:txBody>
-          <a:bodyPr wrap="square" rtlCol="0">
+          <a:bodyPr wrap="square">
+            <a:spAutoFit/>
+          </a:bodyPr>
+          <a:lstStyle/>
+          <a:p>
+            <a:pPr marL="285750" indent="-285750">
+              <a:buFontTx/>
+              <a:buChar char="-"/>
+            </a:pPr>
+            <a:r>
+              <a:rPr lang="ru-RU" dirty="0" smtClean="0"/>
+              <a:t>Формирование сложной аналитики на основе сохраненных данных по ответам клиентов для улучшения качества обслуживания.</a:t>
+            </a:r>
+          </a:p>
+          <a:p>
+            <a:pPr marL="285750" indent="-285750">
+              <a:buFontTx/>
+              <a:buChar char="-"/>
+            </a:pPr>
+            <a:r>
+              <a:rPr lang="ru-RU" dirty="0" smtClean="0"/>
+              <a:t>Расширение </a:t>
+            </a:r>
+            <a:r>
+              <a:rPr lang="ru-RU" dirty="0"/>
+              <a:t>количества </a:t>
+            </a:r>
+            <a:r>
+              <a:rPr lang="ru-RU" dirty="0" smtClean="0"/>
+              <a:t>мессенджеров для более удобного общения с ответственными сотрудниками ВСП</a:t>
+            </a:r>
+          </a:p>
+          <a:p>
+            <a:pPr marL="285750" indent="-285750">
+              <a:buFontTx/>
+              <a:buChar char="-"/>
+            </a:pPr>
+            <a:r>
+              <a:rPr lang="ru-RU" dirty="0" smtClean="0"/>
+              <a:t>Улучшения количества и качества вопросов, которые позволят максимально точно определить проблему клиента.</a:t>
+            </a:r>
+          </a:p>
+          <a:p>
+            <a:pPr marL="285750" indent="-285750">
+              <a:buFontTx/>
+              <a:buChar char="-"/>
+            </a:pPr>
+            <a:r>
+              <a:rPr lang="ru-RU" dirty="0" smtClean="0"/>
+              <a:t> Специальные предложения, индивидуально подобранные для каждого клиента.</a:t>
+            </a:r>
+          </a:p>
+          <a:p>
+            <a:pPr marL="285750" indent="-285750">
+              <a:buFontTx/>
+              <a:buChar char="-"/>
+            </a:pPr>
+            <a:r>
+              <a:rPr lang="ru-RU" dirty="0" smtClean="0"/>
+              <a:t>Красивый и удобный интерфейс, своевременная помощь сотрудников даже в самых непростых ситуациях – еще один шаг к укреплению  доверительных отношений между клиентом и банком!</a:t>
+            </a:r>
+          </a:p>
+          <a:p>
+            <a:pPr marL="285750" indent="-285750">
+              <a:buFontTx/>
+              <a:buChar char="-"/>
+            </a:pPr>
+            <a:endParaRPr lang="ru-RU" dirty="0"/>
+          </a:p>
+        </p:txBody>
+      </p:sp>
+    </p:spTree>
+    <p:extLst>
+      <p:ext uri="{BB962C8B-B14F-4D97-AF65-F5344CB8AC3E}">
+        <p14:creationId xmlns:p14="http://schemas.microsoft.com/office/powerpoint/2010/main" val="1693551163"/>
+      </p:ext>
+    </p:extLst>
+  </p:cSld>
+  <p:clrMapOvr>
+    <a:masterClrMapping/>
+  </p:clrMapOvr>
+  <p:transition>
+    <p:fade/>
+  </p:transition>
+</p:sld>
+</file>
+
+<file path=ppt/slides/slide6.xml><?xml version="1.0" encoding="utf-8"?>
+<p:sld xmlns:a="http://schemas.openxmlformats.org/drawingml/2006/main" xmlns:r="http://schemas.openxmlformats.org/officeDocument/2006/relationships" xmlns:p="http://schemas.openxmlformats.org/presentationml/2006/main">
+  <p:cSld>
+    <p:spTree>
+      <p:nvGrpSpPr>
+        <p:cNvPr id="1" name=""/>
+        <p:cNvGrpSpPr/>
+        <p:nvPr/>
+      </p:nvGrpSpPr>
+      <p:grpSpPr>
+        <a:xfrm>
+          <a:off x="0" y="0"/>
+          <a:ext cx="0" cy="0"/>
+          <a:chOff x="0" y="0"/>
+          <a:chExt cx="0" cy="0"/>
+        </a:xfrm>
+      </p:grpSpPr>
+      <p:sp>
+        <p:nvSpPr>
+          <p:cNvPr id="2" name="Заголовок 1"/>
+          <p:cNvSpPr>
+            <a:spLocks noGrp="1"/>
+          </p:cNvSpPr>
+          <p:nvPr>
+            <p:ph type="title"/>
+          </p:nvPr>
+        </p:nvSpPr>
+        <p:spPr/>
+        <p:txBody>
+          <a:bodyPr/>
+          <a:lstStyle/>
+          <a:p>
+            <a:endParaRPr lang="ru-RU"/>
+          </a:p>
+        </p:txBody>
+      </p:sp>
+      <p:sp>
+        <p:nvSpPr>
+          <p:cNvPr id="3" name="Номер слайда 2"/>
+          <p:cNvSpPr>
+            <a:spLocks noGrp="1"/>
+          </p:cNvSpPr>
+          <p:nvPr>
+            <p:ph type="sldNum" sz="quarter" idx="14"/>
+          </p:nvPr>
+        </p:nvSpPr>
+        <p:spPr/>
+        <p:txBody>
+          <a:bodyPr/>
+          <a:lstStyle/>
+          <a:p>
+            <a:pPr>
+              <a:defRPr/>
+            </a:pPr>
+            <a:fld id="{F8F29BF0-CBE9-44D5-BD66-64D8F5E7FD84}" type="slidenum">
+              <a:rPr lang="ru-RU" smtClean="0"/>
+              <a:pPr>
+                <a:defRPr/>
+              </a:pPr>
+              <a:t>6</a:t>
+            </a:fld>
+            <a:endParaRPr lang="ru-RU"/>
+          </a:p>
+        </p:txBody>
+      </p:sp>
+      <p:sp>
+        <p:nvSpPr>
+          <p:cNvPr id="4" name="Прямоугольник 3"/>
+          <p:cNvSpPr/>
+          <p:nvPr/>
+        </p:nvSpPr>
+        <p:spPr>
+          <a:xfrm>
+            <a:off x="529079" y="5139589"/>
+            <a:ext cx="11288271" cy="1200329"/>
+          </a:xfrm>
+          <a:prstGeom prst="rect">
+            <a:avLst/>
+          </a:prstGeom>
+        </p:spPr>
+        <p:txBody>
+          <a:bodyPr wrap="square">
             <a:spAutoFit/>
           </a:bodyPr>
           <a:lstStyle/>
@@ -8661,13 +8686,155 @@
               <a:rPr lang="ru-RU" dirty="0"/>
               <a:t>Позволяет сделать предложение услуги на основе клиентского опыта</a:t>
             </a:r>
+            <a:endParaRPr lang="ru-RU" dirty="0"/>
           </a:p>
         </p:txBody>
       </p:sp>
+      <p:pic>
+        <p:nvPicPr>
+          <p:cNvPr id="5" name="Picture 10" descr="ÐÐ°ÑÑÐ¸Ð½ÐºÐ¸ Ð¿Ð¾ Ð·Ð°Ð¿ÑÐ¾ÑÑ ÑÐµÐ»Ð¾Ð²ÐµÑÐµÐº Ð´Ð»Ñ Ð¿ÑÐµÐ·ÐµÐ½ÑÐ°ÑÐ¸Ð¸">
+            <a:extLst>
+              <a:ext uri="{FF2B5EF4-FFF2-40B4-BE49-F238E27FC236}">
+                <a16:creationId xmlns:a16="http://schemas.microsoft.com/office/drawing/2014/main" id="{3AACE48A-76DA-4089-8DFE-D5DAD880A43D}"/>
+              </a:ext>
+            </a:extLst>
+          </p:cNvPr>
+          <p:cNvPicPr>
+            <a:picLocks noChangeAspect="1" noChangeArrowheads="1"/>
+          </p:cNvPicPr>
+          <p:nvPr/>
+        </p:nvPicPr>
+        <p:blipFill>
+          <a:blip r:embed="rId2" cstate="email">
+            <a:extLst>
+              <a:ext uri="{28A0092B-C50C-407E-A947-70E740481C1C}">
+                <a14:useLocalDpi xmlns:a14="http://schemas.microsoft.com/office/drawing/2010/main" val="0"/>
+              </a:ext>
+            </a:extLst>
+          </a:blip>
+          <a:srcRect/>
+          <a:stretch>
+            <a:fillRect/>
+          </a:stretch>
+        </p:blipFill>
+        <p:spPr bwMode="auto">
+          <a:xfrm>
+            <a:off x="1085088" y="2447162"/>
+            <a:ext cx="1914525" cy="1914525"/>
+          </a:xfrm>
+          <a:prstGeom prst="rect">
+            <a:avLst/>
+          </a:prstGeom>
+          <a:noFill/>
+          <a:extLst>
+            <a:ext uri="{909E8E84-426E-40DD-AFC4-6F175D3DCCD1}">
+              <a14:hiddenFill xmlns:a14="http://schemas.microsoft.com/office/drawing/2010/main">
+                <a:solidFill>
+                  <a:srgbClr val="FFFFFF"/>
+                </a:solidFill>
+              </a14:hiddenFill>
+            </a:ext>
+          </a:extLst>
+        </p:spPr>
+      </p:pic>
+      <p:pic>
+        <p:nvPicPr>
+          <p:cNvPr id="6" name="Picture 8" descr="ÐÐ°ÑÑÐ¸Ð½ÐºÐ¸ Ð¿Ð¾ Ð·Ð°Ð¿ÑÐ¾ÑÑ ÑÐµÐ»Ð¾Ð²ÐµÑÐµÐº Ð´Ð»Ñ Ð¿ÑÐµÐ·ÐµÐ½ÑÐ°ÑÐ¸Ð¸">
+            <a:extLst>
+              <a:ext uri="{FF2B5EF4-FFF2-40B4-BE49-F238E27FC236}">
+                <a16:creationId xmlns:a16="http://schemas.microsoft.com/office/drawing/2014/main" id="{1D297687-D4D2-4BE3-B9A8-463E5A257E22}"/>
+              </a:ext>
+            </a:extLst>
+          </p:cNvPr>
+          <p:cNvPicPr>
+            <a:picLocks noChangeAspect="1" noChangeArrowheads="1"/>
+          </p:cNvPicPr>
+          <p:nvPr/>
+        </p:nvPicPr>
+        <p:blipFill>
+          <a:blip r:embed="rId3" cstate="email">
+            <a:extLst>
+              <a:ext uri="{28A0092B-C50C-407E-A947-70E740481C1C}">
+                <a14:useLocalDpi xmlns:a14="http://schemas.microsoft.com/office/drawing/2010/main" val="0"/>
+              </a:ext>
+            </a:extLst>
+          </a:blip>
+          <a:srcRect/>
+          <a:stretch>
+            <a:fillRect/>
+          </a:stretch>
+        </p:blipFill>
+        <p:spPr bwMode="auto">
+          <a:xfrm>
+            <a:off x="4055677" y="1727771"/>
+            <a:ext cx="2439806" cy="2381251"/>
+          </a:xfrm>
+          <a:prstGeom prst="rect">
+            <a:avLst/>
+          </a:prstGeom>
+          <a:noFill/>
+          <a:extLst>
+            <a:ext uri="{909E8E84-426E-40DD-AFC4-6F175D3DCCD1}">
+              <a14:hiddenFill xmlns:a14="http://schemas.microsoft.com/office/drawing/2010/main">
+                <a:solidFill>
+                  <a:srgbClr val="FFFFFF"/>
+                </a:solidFill>
+              </a14:hiddenFill>
+            </a:ext>
+          </a:extLst>
+        </p:spPr>
+      </p:pic>
+      <p:pic>
+        <p:nvPicPr>
+          <p:cNvPr id="7" name="Picture 4" descr="ÐÐ°ÑÑÐ¸Ð½ÐºÐ¸ Ð¿Ð¾ Ð·Ð°Ð¿ÑÐ¾ÑÑ ÑÐµÐ»Ð¾Ð²ÐµÑÐµÐº Ð´Ð»Ñ Ð¿ÑÐµÐ·ÐµÐ½ÑÐ°ÑÐ¸Ð¸">
+            <a:extLst>
+              <a:ext uri="{FF2B5EF4-FFF2-40B4-BE49-F238E27FC236}">
+                <a16:creationId xmlns:a16="http://schemas.microsoft.com/office/drawing/2014/main" id="{4D447840-6E1A-40FE-A65F-5420EBDD4157}"/>
+              </a:ext>
+            </a:extLst>
+          </p:cNvPr>
+          <p:cNvPicPr>
+            <a:picLocks noChangeAspect="1" noChangeArrowheads="1"/>
+          </p:cNvPicPr>
+          <p:nvPr/>
+        </p:nvPicPr>
+        <p:blipFill>
+          <a:blip r:embed="rId4" cstate="email">
+            <a:extLst>
+              <a:ext uri="{28A0092B-C50C-407E-A947-70E740481C1C}">
+                <a14:useLocalDpi xmlns:a14="http://schemas.microsoft.com/office/drawing/2010/main" val="0"/>
+              </a:ext>
+            </a:extLst>
+          </a:blip>
+          <a:srcRect/>
+          <a:stretch>
+            <a:fillRect/>
+          </a:stretch>
+        </p:blipFill>
+        <p:spPr bwMode="auto">
+          <a:xfrm>
+            <a:off x="8098536" y="2337313"/>
+            <a:ext cx="1889760" cy="1696060"/>
+          </a:xfrm>
+          <a:prstGeom prst="rect">
+            <a:avLst/>
+          </a:prstGeom>
+          <a:noFill/>
+          <a:extLst>
+            <a:ext uri="{909E8E84-426E-40DD-AFC4-6F175D3DCCD1}">
+              <a14:hiddenFill xmlns:a14="http://schemas.microsoft.com/office/drawing/2010/main">
+                <a:solidFill>
+                  <a:srgbClr val="FFFFFF"/>
+                </a:solidFill>
+              </a14:hiddenFill>
+            </a:ext>
+          </a:extLst>
+        </p:spPr>
+      </p:pic>
     </p:spTree>
     <p:extLst>
       <p:ext uri="{BB962C8B-B14F-4D97-AF65-F5344CB8AC3E}">
-        <p14:creationId xmlns:p14="http://schemas.microsoft.com/office/powerpoint/2010/main" val="1693551163"/>
+        <p14:creationId xmlns:p14="http://schemas.microsoft.com/office/powerpoint/2010/main" val="3541821152"/>
       </p:ext>
     </p:extLst>
   </p:cSld>
@@ -8680,7 +8847,7 @@
 </p:sld>
 </file>
 
-<file path=ppt/slides/slide6.xml><?xml version="1.0" encoding="utf-8"?>
+<file path=ppt/slides/slide7.xml><?xml version="1.0" encoding="utf-8"?>
 <p:sld xmlns:a="http://schemas.openxmlformats.org/drawingml/2006/main" xmlns:r="http://schemas.openxmlformats.org/officeDocument/2006/relationships" xmlns:p="http://schemas.openxmlformats.org/presentationml/2006/main">
   <p:cSld>
     <p:spTree>
@@ -8785,7 +8952,7 @@
                 </a:solidFill>
               </a:rPr>
               <a:pPr/>
-              <a:t>6</a:t>
+              <a:t>7</a:t>
             </a:fld>
             <a:endParaRPr lang="ru-RU">
               <a:solidFill>

--- a/Хакатон_УР.pptx
+++ b/Хакатон_УР.pptx
@@ -5,16 +5,14 @@
     <p:sldMasterId id="2147483660" r:id="rId1"/>
   </p:sldMasterIdLst>
   <p:notesMasterIdLst>
-    <p:notesMasterId r:id="rId9"/>
+    <p:notesMasterId r:id="rId7"/>
   </p:notesMasterIdLst>
   <p:sldIdLst>
     <p:sldId id="272" r:id="rId2"/>
-    <p:sldId id="274" r:id="rId3"/>
-    <p:sldId id="260" r:id="rId4"/>
-    <p:sldId id="275" r:id="rId5"/>
-    <p:sldId id="273" r:id="rId6"/>
-    <p:sldId id="276" r:id="rId7"/>
-    <p:sldId id="271" r:id="rId8"/>
+    <p:sldId id="260" r:id="rId3"/>
+    <p:sldId id="275" r:id="rId4"/>
+    <p:sldId id="273" r:id="rId5"/>
+    <p:sldId id="271" r:id="rId6"/>
   </p:sldIdLst>
   <p:sldSz cx="12192000" cy="6858000"/>
   <p:notesSz cx="6858000" cy="9144000"/>
@@ -1177,7 +1175,7 @@
                   <a:spcPct val="0"/>
                 </a:spcAft>
               </a:pPr>
-              <a:t>3</a:t>
+              <a:t>2</a:t>
             </a:fld>
             <a:endParaRPr lang="ru-RU" altLang="ru-RU">
               <a:solidFill>
@@ -6692,7 +6690,7 @@
                 <a:ea typeface="+mj-ea"/>
                 <a:cs typeface="+mj-cs"/>
               </a:rPr>
-              <a:t>НАЗВАНИЕ ПРЕЗЕНТАЦИИ</a:t>
+              <a:t>Навстречу клиенту</a:t>
             </a:r>
           </a:p>
         </p:txBody>
@@ -6814,249 +6812,6 @@
 </file>
 
 <file path=ppt/slides/slide2.xml><?xml version="1.0" encoding="utf-8"?>
-<p:sld xmlns:a="http://schemas.openxmlformats.org/drawingml/2006/main" xmlns:r="http://schemas.openxmlformats.org/officeDocument/2006/relationships" xmlns:p="http://schemas.openxmlformats.org/presentationml/2006/main">
-  <p:cSld>
-    <p:spTree>
-      <p:nvGrpSpPr>
-        <p:cNvPr id="1" name=""/>
-        <p:cNvGrpSpPr/>
-        <p:nvPr/>
-      </p:nvGrpSpPr>
-      <p:grpSpPr>
-        <a:xfrm>
-          <a:off x="0" y="0"/>
-          <a:ext cx="0" cy="0"/>
-          <a:chOff x="0" y="0"/>
-          <a:chExt cx="0" cy="0"/>
-        </a:xfrm>
-      </p:grpSpPr>
-      <p:sp>
-        <p:nvSpPr>
-          <p:cNvPr id="2" name="Заголовок 1">
-            <a:extLst>
-              <a:ext uri="{FF2B5EF4-FFF2-40B4-BE49-F238E27FC236}">
-                <a16:creationId xmlns:a16="http://schemas.microsoft.com/office/drawing/2014/main" id="{9369C24F-3203-4290-9957-EEFA4A634178}"/>
-              </a:ext>
-            </a:extLst>
-          </p:cNvPr>
-          <p:cNvSpPr>
-            <a:spLocks noGrp="1"/>
-          </p:cNvSpPr>
-          <p:nvPr>
-            <p:ph type="title"/>
-          </p:nvPr>
-        </p:nvSpPr>
-        <p:spPr>
-          <a:xfrm>
-            <a:off x="333752" y="214056"/>
-            <a:ext cx="11483597" cy="510161"/>
-          </a:xfrm>
-        </p:spPr>
-        <p:txBody>
-          <a:bodyPr/>
-          <a:lstStyle/>
-          <a:p>
-            <a:pPr algn="ctr"/>
-            <a:r>
-              <a:rPr lang="ru-RU" dirty="0"/>
-              <a:t>Актуальность задачи</a:t>
-            </a:r>
-          </a:p>
-        </p:txBody>
-      </p:sp>
-      <p:sp>
-        <p:nvSpPr>
-          <p:cNvPr id="3" name="Номер слайда 2">
-            <a:extLst>
-              <a:ext uri="{FF2B5EF4-FFF2-40B4-BE49-F238E27FC236}">
-                <a16:creationId xmlns:a16="http://schemas.microsoft.com/office/drawing/2014/main" id="{438E4F6C-50D3-4A7F-AF68-21CCAD6827D3}"/>
-              </a:ext>
-            </a:extLst>
-          </p:cNvPr>
-          <p:cNvSpPr>
-            <a:spLocks noGrp="1"/>
-          </p:cNvSpPr>
-          <p:nvPr>
-            <p:ph type="sldNum" sz="quarter" idx="14"/>
-          </p:nvPr>
-        </p:nvSpPr>
-        <p:spPr/>
-        <p:txBody>
-          <a:bodyPr/>
-          <a:lstStyle/>
-          <a:p>
-            <a:pPr>
-              <a:defRPr/>
-            </a:pPr>
-            <a:fld id="{F8F29BF0-CBE9-44D5-BD66-64D8F5E7FD84}" type="slidenum">
-              <a:rPr lang="ru-RU" smtClean="0"/>
-              <a:pPr>
-                <a:defRPr/>
-              </a:pPr>
-              <a:t>2</a:t>
-            </a:fld>
-            <a:endParaRPr lang="ru-RU"/>
-          </a:p>
-        </p:txBody>
-      </p:sp>
-      <p:pic>
-        <p:nvPicPr>
-          <p:cNvPr id="2050" name="Picture 2" descr="ÐÐ°ÑÑÐ¸Ð½ÐºÐ¸ Ð¿Ð¾ Ð·Ð°Ð¿ÑÐ¾ÑÑ ÑÐµÐ»Ð¾Ð²ÐµÑÐµÐº Ð´Ð»Ñ Ð¿ÑÐµÐ·ÐµÐ½ÑÐ°ÑÐ¸Ð¸">
-            <a:extLst>
-              <a:ext uri="{FF2B5EF4-FFF2-40B4-BE49-F238E27FC236}">
-                <a16:creationId xmlns:a16="http://schemas.microsoft.com/office/drawing/2014/main" id="{34E78522-2BDA-46FA-AB84-EEAD2BC20A83}"/>
-              </a:ext>
-            </a:extLst>
-          </p:cNvPr>
-          <p:cNvPicPr>
-            <a:picLocks noChangeAspect="1" noChangeArrowheads="1"/>
-          </p:cNvPicPr>
-          <p:nvPr/>
-        </p:nvPicPr>
-        <p:blipFill>
-          <a:blip r:embed="rId2" cstate="email">
-            <a:extLst>
-              <a:ext uri="{28A0092B-C50C-407E-A947-70E740481C1C}">
-                <a14:useLocalDpi xmlns:a14="http://schemas.microsoft.com/office/drawing/2010/main" val="0"/>
-              </a:ext>
-            </a:extLst>
-          </a:blip>
-          <a:srcRect/>
-          <a:stretch>
-            <a:fillRect/>
-          </a:stretch>
-        </p:blipFill>
-        <p:spPr bwMode="auto">
-          <a:xfrm>
-            <a:off x="933450" y="3111023"/>
-            <a:ext cx="3818492" cy="2543175"/>
-          </a:xfrm>
-          <a:prstGeom prst="rect">
-            <a:avLst/>
-          </a:prstGeom>
-          <a:noFill/>
-          <a:extLst>
-            <a:ext uri="{909E8E84-426E-40DD-AFC4-6F175D3DCCD1}">
-              <a14:hiddenFill xmlns:a14="http://schemas.microsoft.com/office/drawing/2010/main">
-                <a:solidFill>
-                  <a:srgbClr val="FFFFFF"/>
-                </a:solidFill>
-              </a14:hiddenFill>
-            </a:ext>
-          </a:extLst>
-        </p:spPr>
-      </p:pic>
-      <p:pic>
-        <p:nvPicPr>
-          <p:cNvPr id="2052" name="Picture 4" descr="ÐÐ°ÑÑÐ¸Ð½ÐºÐ¸ Ð¿Ð¾ Ð·Ð°Ð¿ÑÐ¾ÑÑ ÑÐµÐ»Ð¾Ð²ÐµÑÐµÐº Ð´Ð»Ñ Ð¿ÑÐµÐ·ÐµÐ½ÑÐ°ÑÐ¸Ð¸">
-            <a:extLst>
-              <a:ext uri="{FF2B5EF4-FFF2-40B4-BE49-F238E27FC236}">
-                <a16:creationId xmlns:a16="http://schemas.microsoft.com/office/drawing/2014/main" id="{16CC200E-6156-4D48-85D4-C89DFDCBE48C}"/>
-              </a:ext>
-            </a:extLst>
-          </p:cNvPr>
-          <p:cNvPicPr>
-            <a:picLocks noChangeAspect="1" noChangeArrowheads="1"/>
-          </p:cNvPicPr>
-          <p:nvPr/>
-        </p:nvPicPr>
-        <p:blipFill>
-          <a:blip r:embed="rId3" cstate="email">
-            <a:extLst>
-              <a:ext uri="{28A0092B-C50C-407E-A947-70E740481C1C}">
-                <a14:useLocalDpi xmlns:a14="http://schemas.microsoft.com/office/drawing/2010/main" val="0"/>
-              </a:ext>
-            </a:extLst>
-          </a:blip>
-          <a:srcRect/>
-          <a:stretch>
-            <a:fillRect/>
-          </a:stretch>
-        </p:blipFill>
-        <p:spPr bwMode="auto">
-          <a:xfrm>
-            <a:off x="7607300" y="2631440"/>
-            <a:ext cx="4033408" cy="3502343"/>
-          </a:xfrm>
-          <a:prstGeom prst="rect">
-            <a:avLst/>
-          </a:prstGeom>
-          <a:noFill/>
-          <a:extLst>
-            <a:ext uri="{909E8E84-426E-40DD-AFC4-6F175D3DCCD1}">
-              <a14:hiddenFill xmlns:a14="http://schemas.microsoft.com/office/drawing/2010/main">
-                <a:solidFill>
-                  <a:srgbClr val="FFFFFF"/>
-                </a:solidFill>
-              </a14:hiddenFill>
-            </a:ext>
-          </a:extLst>
-        </p:spPr>
-      </p:pic>
-      <p:pic>
-        <p:nvPicPr>
-          <p:cNvPr id="2054" name="Picture 6" descr="ÐÐ°ÑÑÐ¸Ð½ÐºÐ¸ Ð¿Ð¾ Ð·Ð°Ð¿ÑÐ¾ÑÑ ÑÐµÐ»Ð¾Ð²ÐµÑÐµÐº Ð´Ð»Ñ Ð¿ÑÐµÐ·ÐµÐ½ÑÐ°ÑÐ¸Ð¸">
-            <a:extLst>
-              <a:ext uri="{FF2B5EF4-FFF2-40B4-BE49-F238E27FC236}">
-                <a16:creationId xmlns:a16="http://schemas.microsoft.com/office/drawing/2014/main" id="{1FC37849-63B3-431F-9591-94CBB3F32AC3}"/>
-              </a:ext>
-            </a:extLst>
-          </p:cNvPr>
-          <p:cNvPicPr>
-            <a:picLocks noChangeAspect="1" noChangeArrowheads="1"/>
-          </p:cNvPicPr>
-          <p:nvPr/>
-        </p:nvPicPr>
-        <p:blipFill>
-          <a:blip r:embed="rId4">
-            <a:extLst>
-              <a:ext uri="{28A0092B-C50C-407E-A947-70E740481C1C}">
-                <a14:useLocalDpi xmlns:a14="http://schemas.microsoft.com/office/drawing/2010/main" val="0"/>
-              </a:ext>
-            </a:extLst>
-          </a:blip>
-          <a:srcRect/>
-          <a:stretch>
-            <a:fillRect/>
-          </a:stretch>
-        </p:blipFill>
-        <p:spPr bwMode="auto">
-          <a:xfrm>
-            <a:off x="5310188" y="2157413"/>
-            <a:ext cx="1571625" cy="2543175"/>
-          </a:xfrm>
-          <a:prstGeom prst="rect">
-            <a:avLst/>
-          </a:prstGeom>
-          <a:noFill/>
-          <a:extLst>
-            <a:ext uri="{909E8E84-426E-40DD-AFC4-6F175D3DCCD1}">
-              <a14:hiddenFill xmlns:a14="http://schemas.microsoft.com/office/drawing/2010/main">
-                <a:solidFill>
-                  <a:srgbClr val="FFFFFF"/>
-                </a:solidFill>
-              </a14:hiddenFill>
-            </a:ext>
-          </a:extLst>
-        </p:spPr>
-      </p:pic>
-    </p:spTree>
-    <p:extLst>
-      <p:ext uri="{BB962C8B-B14F-4D97-AF65-F5344CB8AC3E}">
-        <p14:creationId xmlns:p14="http://schemas.microsoft.com/office/powerpoint/2010/main" val="2867954948"/>
-      </p:ext>
-    </p:extLst>
-  </p:cSld>
-  <p:clrMapOvr>
-    <a:masterClrMapping/>
-  </p:clrMapOvr>
-  <p:transition>
-    <p:fade/>
-  </p:transition>
-</p:sld>
-</file>
-
-<file path=ppt/slides/slide3.xml><?xml version="1.0" encoding="utf-8"?>
 <p:sld xmlns:a="http://schemas.openxmlformats.org/drawingml/2006/main" xmlns:r="http://schemas.openxmlformats.org/officeDocument/2006/relationships" xmlns:p="http://schemas.openxmlformats.org/presentationml/2006/main">
   <p:cSld>
     <p:spTree>
@@ -8071,7 +7826,7 @@
 </p:sld>
 </file>
 
-<file path=ppt/slides/slide4.xml><?xml version="1.0" encoding="utf-8"?>
+<file path=ppt/slides/slide3.xml><?xml version="1.0" encoding="utf-8"?>
 <p:sld xmlns:a="http://schemas.openxmlformats.org/drawingml/2006/main" xmlns:r="http://schemas.openxmlformats.org/officeDocument/2006/relationships" xmlns:p="http://schemas.openxmlformats.org/presentationml/2006/main">
   <p:cSld>
     <p:spTree>
@@ -8142,7 +7897,7 @@
               <a:pPr>
                 <a:defRPr/>
               </a:pPr>
-              <a:t>4</a:t>
+              <a:t>3</a:t>
             </a:fld>
             <a:endParaRPr lang="ru-RU"/>
           </a:p>
@@ -8164,7 +7919,7 @@
 </p:sld>
 </file>
 
-<file path=ppt/slides/slide5.xml><?xml version="1.0" encoding="utf-8"?>
+<file path=ppt/slides/slide4.xml><?xml version="1.0" encoding="utf-8"?>
 <p:sld xmlns:a="http://schemas.openxmlformats.org/drawingml/2006/main" xmlns:r="http://schemas.openxmlformats.org/officeDocument/2006/relationships" xmlns:p="http://schemas.openxmlformats.org/presentationml/2006/main">
   <p:cSld>
     <p:spTree>
@@ -8210,7 +7965,7 @@
               <a:pPr>
                 <a:defRPr/>
               </a:pPr>
-              <a:t>5</a:t>
+              <a:t>4</a:t>
             </a:fld>
             <a:endParaRPr lang="ru-RU"/>
           </a:p>
@@ -8377,7 +8132,7 @@
               <a:pPr>
                 <a:defRPr/>
               </a:pPr>
-              <a:t>5</a:t>
+              <a:t>4</a:t>
             </a:fld>
             <a:endParaRPr lang="ru-RU" dirty="0"/>
           </a:p>
@@ -8412,8 +8167,8 @@
         </p:blipFill>
         <p:spPr bwMode="auto">
           <a:xfrm>
-            <a:off x="5745508" y="4451313"/>
-            <a:ext cx="1889760" cy="1889760"/>
+            <a:off x="4460240" y="3836605"/>
+            <a:ext cx="2504468" cy="2504468"/>
           </a:xfrm>
           <a:prstGeom prst="rect">
             <a:avLst/>
@@ -8452,10 +8207,9 @@
           <a:p>
             <a:pPr algn="ctr"/>
             <a:r>
-              <a:rPr lang="ru-RU" dirty="0" smtClean="0"/>
-              <a:t>Варианты развития</a:t>
+              <a:rPr lang="ru-RU" dirty="0"/>
+              <a:t>ПУТИ развития</a:t>
             </a:r>
-            <a:endParaRPr lang="ru-RU" dirty="0"/>
           </a:p>
         </p:txBody>
       </p:sp>
@@ -8485,7 +8239,7 @@
               <a:buChar char="-"/>
             </a:pPr>
             <a:r>
-              <a:rPr lang="ru-RU" dirty="0" smtClean="0"/>
+              <a:rPr lang="ru-RU" dirty="0"/>
               <a:t>Формирование сложной аналитики на основе сохраненных данных по ответам клиентов для улучшения качества обслуживания.</a:t>
             </a:r>
           </a:p>
@@ -8495,16 +8249,8 @@
               <a:buChar char="-"/>
             </a:pPr>
             <a:r>
-              <a:rPr lang="ru-RU" dirty="0" smtClean="0"/>
-              <a:t>Расширение </a:t>
-            </a:r>
-            <a:r>
               <a:rPr lang="ru-RU" dirty="0"/>
-              <a:t>количества </a:t>
-            </a:r>
-            <a:r>
-              <a:rPr lang="ru-RU" dirty="0" smtClean="0"/>
-              <a:t>мессенджеров для более удобного общения с ответственными сотрудниками ВСП</a:t>
+              <a:t>Расширение количества мессенджеров для более удобного общения с ответственными сотрудниками ВСП</a:t>
             </a:r>
           </a:p>
           <a:p>
@@ -8513,7 +8259,7 @@
               <a:buChar char="-"/>
             </a:pPr>
             <a:r>
-              <a:rPr lang="ru-RU" dirty="0" smtClean="0"/>
+              <a:rPr lang="ru-RU" dirty="0"/>
               <a:t>Улучшения количества и качества вопросов, которые позволят максимально точно определить проблему клиента.</a:t>
             </a:r>
           </a:p>
@@ -8523,8 +8269,8 @@
               <a:buChar char="-"/>
             </a:pPr>
             <a:r>
-              <a:rPr lang="ru-RU" dirty="0" smtClean="0"/>
-              <a:t> Специальные предложения, индивидуально подобранные для каждого клиента.</a:t>
+              <a:rPr lang="ru-RU" dirty="0"/>
+              <a:t>Специальные предложения, индивидуально подобранные для каждого клиента.</a:t>
             </a:r>
           </a:p>
           <a:p>
@@ -8533,7 +8279,7 @@
               <a:buChar char="-"/>
             </a:pPr>
             <a:r>
-              <a:rPr lang="ru-RU" dirty="0" smtClean="0"/>
+              <a:rPr lang="ru-RU" dirty="0"/>
               <a:t>Красивый и удобный интерфейс, своевременная помощь сотрудников даже в самых непростых ситуациях – еще один шаг к укреплению  доверительных отношений между клиентом и банком!</a:t>
             </a:r>
           </a:p>
@@ -8562,292 +8308,7 @@
 </p:sld>
 </file>
 
-<file path=ppt/slides/slide6.xml><?xml version="1.0" encoding="utf-8"?>
-<p:sld xmlns:a="http://schemas.openxmlformats.org/drawingml/2006/main" xmlns:r="http://schemas.openxmlformats.org/officeDocument/2006/relationships" xmlns:p="http://schemas.openxmlformats.org/presentationml/2006/main">
-  <p:cSld>
-    <p:spTree>
-      <p:nvGrpSpPr>
-        <p:cNvPr id="1" name=""/>
-        <p:cNvGrpSpPr/>
-        <p:nvPr/>
-      </p:nvGrpSpPr>
-      <p:grpSpPr>
-        <a:xfrm>
-          <a:off x="0" y="0"/>
-          <a:ext cx="0" cy="0"/>
-          <a:chOff x="0" y="0"/>
-          <a:chExt cx="0" cy="0"/>
-        </a:xfrm>
-      </p:grpSpPr>
-      <p:sp>
-        <p:nvSpPr>
-          <p:cNvPr id="2" name="Заголовок 1"/>
-          <p:cNvSpPr>
-            <a:spLocks noGrp="1"/>
-          </p:cNvSpPr>
-          <p:nvPr>
-            <p:ph type="title"/>
-          </p:nvPr>
-        </p:nvSpPr>
-        <p:spPr/>
-        <p:txBody>
-          <a:bodyPr/>
-          <a:lstStyle/>
-          <a:p>
-            <a:endParaRPr lang="ru-RU"/>
-          </a:p>
-        </p:txBody>
-      </p:sp>
-      <p:sp>
-        <p:nvSpPr>
-          <p:cNvPr id="3" name="Номер слайда 2"/>
-          <p:cNvSpPr>
-            <a:spLocks noGrp="1"/>
-          </p:cNvSpPr>
-          <p:nvPr>
-            <p:ph type="sldNum" sz="quarter" idx="14"/>
-          </p:nvPr>
-        </p:nvSpPr>
-        <p:spPr/>
-        <p:txBody>
-          <a:bodyPr/>
-          <a:lstStyle/>
-          <a:p>
-            <a:pPr>
-              <a:defRPr/>
-            </a:pPr>
-            <a:fld id="{F8F29BF0-CBE9-44D5-BD66-64D8F5E7FD84}" type="slidenum">
-              <a:rPr lang="ru-RU" smtClean="0"/>
-              <a:pPr>
-                <a:defRPr/>
-              </a:pPr>
-              <a:t>6</a:t>
-            </a:fld>
-            <a:endParaRPr lang="ru-RU"/>
-          </a:p>
-        </p:txBody>
-      </p:sp>
-      <p:sp>
-        <p:nvSpPr>
-          <p:cNvPr id="4" name="Прямоугольник 3"/>
-          <p:cNvSpPr/>
-          <p:nvPr/>
-        </p:nvSpPr>
-        <p:spPr>
-          <a:xfrm>
-            <a:off x="529079" y="5139589"/>
-            <a:ext cx="11288271" cy="1200329"/>
-          </a:xfrm>
-          <a:prstGeom prst="rect">
-            <a:avLst/>
-          </a:prstGeom>
-        </p:spPr>
-        <p:txBody>
-          <a:bodyPr wrap="square">
-            <a:spAutoFit/>
-          </a:bodyPr>
-          <a:lstStyle/>
-          <a:p>
-            <a:r>
-              <a:rPr lang="ru-RU" dirty="0"/>
-              <a:t>Серверная часть (бот) – единая платформа для различных способов коммуникации с клиентом</a:t>
-            </a:r>
-            <a:r>
-              <a:rPr lang="en-US" dirty="0"/>
-              <a:t>: </a:t>
-            </a:r>
-          </a:p>
-          <a:p>
-            <a:pPr marL="285750" indent="-285750">
-              <a:buFontTx/>
-              <a:buChar char="-"/>
-            </a:pPr>
-            <a:r>
-              <a:rPr lang="ru-RU" dirty="0"/>
-              <a:t>Определяет категорию жалобы (воронка вопросов);</a:t>
-            </a:r>
-          </a:p>
-          <a:p>
-            <a:pPr marL="285750" indent="-285750">
-              <a:buFontTx/>
-              <a:buChar char="-"/>
-            </a:pPr>
-            <a:r>
-              <a:rPr lang="ru-RU" dirty="0"/>
-              <a:t>Ведет статистику для последующего анализа жалоб;</a:t>
-            </a:r>
-          </a:p>
-          <a:p>
-            <a:pPr marL="285750" indent="-285750">
-              <a:buFontTx/>
-              <a:buChar char="-"/>
-            </a:pPr>
-            <a:r>
-              <a:rPr lang="ru-RU" dirty="0"/>
-              <a:t>Позволяет сделать предложение услуги на основе клиентского опыта</a:t>
-            </a:r>
-            <a:endParaRPr lang="ru-RU" dirty="0"/>
-          </a:p>
-        </p:txBody>
-      </p:sp>
-      <p:pic>
-        <p:nvPicPr>
-          <p:cNvPr id="5" name="Picture 10" descr="ÐÐ°ÑÑÐ¸Ð½ÐºÐ¸ Ð¿Ð¾ Ð·Ð°Ð¿ÑÐ¾ÑÑ ÑÐµÐ»Ð¾Ð²ÐµÑÐµÐº Ð´Ð»Ñ Ð¿ÑÐµÐ·ÐµÐ½ÑÐ°ÑÐ¸Ð¸">
-            <a:extLst>
-              <a:ext uri="{FF2B5EF4-FFF2-40B4-BE49-F238E27FC236}">
-                <a16:creationId xmlns:a16="http://schemas.microsoft.com/office/drawing/2014/main" id="{3AACE48A-76DA-4089-8DFE-D5DAD880A43D}"/>
-              </a:ext>
-            </a:extLst>
-          </p:cNvPr>
-          <p:cNvPicPr>
-            <a:picLocks noChangeAspect="1" noChangeArrowheads="1"/>
-          </p:cNvPicPr>
-          <p:nvPr/>
-        </p:nvPicPr>
-        <p:blipFill>
-          <a:blip r:embed="rId2" cstate="email">
-            <a:extLst>
-              <a:ext uri="{28A0092B-C50C-407E-A947-70E740481C1C}">
-                <a14:useLocalDpi xmlns:a14="http://schemas.microsoft.com/office/drawing/2010/main" val="0"/>
-              </a:ext>
-            </a:extLst>
-          </a:blip>
-          <a:srcRect/>
-          <a:stretch>
-            <a:fillRect/>
-          </a:stretch>
-        </p:blipFill>
-        <p:spPr bwMode="auto">
-          <a:xfrm>
-            <a:off x="1085088" y="2447162"/>
-            <a:ext cx="1914525" cy="1914525"/>
-          </a:xfrm>
-          <a:prstGeom prst="rect">
-            <a:avLst/>
-          </a:prstGeom>
-          <a:noFill/>
-          <a:extLst>
-            <a:ext uri="{909E8E84-426E-40DD-AFC4-6F175D3DCCD1}">
-              <a14:hiddenFill xmlns:a14="http://schemas.microsoft.com/office/drawing/2010/main">
-                <a:solidFill>
-                  <a:srgbClr val="FFFFFF"/>
-                </a:solidFill>
-              </a14:hiddenFill>
-            </a:ext>
-          </a:extLst>
-        </p:spPr>
-      </p:pic>
-      <p:pic>
-        <p:nvPicPr>
-          <p:cNvPr id="6" name="Picture 8" descr="ÐÐ°ÑÑÐ¸Ð½ÐºÐ¸ Ð¿Ð¾ Ð·Ð°Ð¿ÑÐ¾ÑÑ ÑÐµÐ»Ð¾Ð²ÐµÑÐµÐº Ð´Ð»Ñ Ð¿ÑÐµÐ·ÐµÐ½ÑÐ°ÑÐ¸Ð¸">
-            <a:extLst>
-              <a:ext uri="{FF2B5EF4-FFF2-40B4-BE49-F238E27FC236}">
-                <a16:creationId xmlns:a16="http://schemas.microsoft.com/office/drawing/2014/main" id="{1D297687-D4D2-4BE3-B9A8-463E5A257E22}"/>
-              </a:ext>
-            </a:extLst>
-          </p:cNvPr>
-          <p:cNvPicPr>
-            <a:picLocks noChangeAspect="1" noChangeArrowheads="1"/>
-          </p:cNvPicPr>
-          <p:nvPr/>
-        </p:nvPicPr>
-        <p:blipFill>
-          <a:blip r:embed="rId3" cstate="email">
-            <a:extLst>
-              <a:ext uri="{28A0092B-C50C-407E-A947-70E740481C1C}">
-                <a14:useLocalDpi xmlns:a14="http://schemas.microsoft.com/office/drawing/2010/main" val="0"/>
-              </a:ext>
-            </a:extLst>
-          </a:blip>
-          <a:srcRect/>
-          <a:stretch>
-            <a:fillRect/>
-          </a:stretch>
-        </p:blipFill>
-        <p:spPr bwMode="auto">
-          <a:xfrm>
-            <a:off x="4055677" y="1727771"/>
-            <a:ext cx="2439806" cy="2381251"/>
-          </a:xfrm>
-          <a:prstGeom prst="rect">
-            <a:avLst/>
-          </a:prstGeom>
-          <a:noFill/>
-          <a:extLst>
-            <a:ext uri="{909E8E84-426E-40DD-AFC4-6F175D3DCCD1}">
-              <a14:hiddenFill xmlns:a14="http://schemas.microsoft.com/office/drawing/2010/main">
-                <a:solidFill>
-                  <a:srgbClr val="FFFFFF"/>
-                </a:solidFill>
-              </a14:hiddenFill>
-            </a:ext>
-          </a:extLst>
-        </p:spPr>
-      </p:pic>
-      <p:pic>
-        <p:nvPicPr>
-          <p:cNvPr id="7" name="Picture 4" descr="ÐÐ°ÑÑÐ¸Ð½ÐºÐ¸ Ð¿Ð¾ Ð·Ð°Ð¿ÑÐ¾ÑÑ ÑÐµÐ»Ð¾Ð²ÐµÑÐµÐº Ð´Ð»Ñ Ð¿ÑÐµÐ·ÐµÐ½ÑÐ°ÑÐ¸Ð¸">
-            <a:extLst>
-              <a:ext uri="{FF2B5EF4-FFF2-40B4-BE49-F238E27FC236}">
-                <a16:creationId xmlns:a16="http://schemas.microsoft.com/office/drawing/2014/main" id="{4D447840-6E1A-40FE-A65F-5420EBDD4157}"/>
-              </a:ext>
-            </a:extLst>
-          </p:cNvPr>
-          <p:cNvPicPr>
-            <a:picLocks noChangeAspect="1" noChangeArrowheads="1"/>
-          </p:cNvPicPr>
-          <p:nvPr/>
-        </p:nvPicPr>
-        <p:blipFill>
-          <a:blip r:embed="rId4" cstate="email">
-            <a:extLst>
-              <a:ext uri="{28A0092B-C50C-407E-A947-70E740481C1C}">
-                <a14:useLocalDpi xmlns:a14="http://schemas.microsoft.com/office/drawing/2010/main" val="0"/>
-              </a:ext>
-            </a:extLst>
-          </a:blip>
-          <a:srcRect/>
-          <a:stretch>
-            <a:fillRect/>
-          </a:stretch>
-        </p:blipFill>
-        <p:spPr bwMode="auto">
-          <a:xfrm>
-            <a:off x="8098536" y="2337313"/>
-            <a:ext cx="1889760" cy="1696060"/>
-          </a:xfrm>
-          <a:prstGeom prst="rect">
-            <a:avLst/>
-          </a:prstGeom>
-          <a:noFill/>
-          <a:extLst>
-            <a:ext uri="{909E8E84-426E-40DD-AFC4-6F175D3DCCD1}">
-              <a14:hiddenFill xmlns:a14="http://schemas.microsoft.com/office/drawing/2010/main">
-                <a:solidFill>
-                  <a:srgbClr val="FFFFFF"/>
-                </a:solidFill>
-              </a14:hiddenFill>
-            </a:ext>
-          </a:extLst>
-        </p:spPr>
-      </p:pic>
-    </p:spTree>
-    <p:extLst>
-      <p:ext uri="{BB962C8B-B14F-4D97-AF65-F5344CB8AC3E}">
-        <p14:creationId xmlns:p14="http://schemas.microsoft.com/office/powerpoint/2010/main" val="3541821152"/>
-      </p:ext>
-    </p:extLst>
-  </p:cSld>
-  <p:clrMapOvr>
-    <a:masterClrMapping/>
-  </p:clrMapOvr>
-  <p:transition>
-    <p:fade/>
-  </p:transition>
-</p:sld>
-</file>
-
-<file path=ppt/slides/slide7.xml><?xml version="1.0" encoding="utf-8"?>
+<file path=ppt/slides/slide5.xml><?xml version="1.0" encoding="utf-8"?>
 <p:sld xmlns:a="http://schemas.openxmlformats.org/drawingml/2006/main" xmlns:r="http://schemas.openxmlformats.org/officeDocument/2006/relationships" xmlns:p="http://schemas.openxmlformats.org/presentationml/2006/main">
   <p:cSld>
     <p:spTree>
@@ -8952,7 +8413,7 @@
                 </a:solidFill>
               </a:rPr>
               <a:pPr/>
-              <a:t>7</a:t>
+              <a:t>5</a:t>
             </a:fld>
             <a:endParaRPr lang="ru-RU">
               <a:solidFill>

--- a/Хакатон_УР.pptx
+++ b/Хакатон_УР.pptx
@@ -8167,7 +8167,7 @@
         </p:blipFill>
         <p:spPr bwMode="auto">
           <a:xfrm>
-            <a:off x="4460240" y="3836605"/>
+            <a:off x="4460240" y="3877245"/>
             <a:ext cx="2504468" cy="2504468"/>
           </a:xfrm>
           <a:prstGeom prst="rect">
@@ -8222,7 +8222,7 @@
         <p:spPr>
           <a:xfrm>
             <a:off x="475488" y="1217920"/>
-            <a:ext cx="11341862" cy="2585323"/>
+            <a:ext cx="11341862" cy="2031325"/>
           </a:xfrm>
           <a:prstGeom prst="rect">
             <a:avLst/>
@@ -8240,7 +8240,7 @@
             </a:pPr>
             <a:r>
               <a:rPr lang="ru-RU" dirty="0"/>
-              <a:t>Формирование сложной аналитики на основе сохраненных данных по ответам клиентов для улучшения качества обслуживания.</a:t>
+              <a:t>Формирование комплексной аналитики на основе сохраненных данных по ответам клиентов для улучшения качества обслуживания.</a:t>
             </a:r>
           </a:p>
           <a:p>
@@ -8250,7 +8250,7 @@
             </a:pPr>
             <a:r>
               <a:rPr lang="ru-RU" dirty="0"/>
-              <a:t>Расширение количества мессенджеров для более удобного общения с ответственными сотрудниками ВСП</a:t>
+              <a:t>Расширение количества каналов связи для более удобного общения клиентов с ответственными сотрудниками ВСП.</a:t>
             </a:r>
           </a:p>
           <a:p>
@@ -8260,7 +8260,7 @@
             </a:pPr>
             <a:r>
               <a:rPr lang="ru-RU" dirty="0"/>
-              <a:t>Улучшения количества и качества вопросов, которые позволят максимально точно определить проблему клиента.</a:t>
+              <a:t>Оптимизация воронки вопросов для повышения точности определения проблем клиентов.</a:t>
             </a:r>
           </a:p>
           <a:p>
@@ -8270,7 +8270,7 @@
             </a:pPr>
             <a:r>
               <a:rPr lang="ru-RU" dirty="0"/>
-              <a:t>Специальные предложения, индивидуально подобранные для каждого клиента.</a:t>
+              <a:t>Специальные предложения для каждого клиента на основе полученного клиентского опыта.</a:t>
             </a:r>
           </a:p>
           <a:p>
@@ -8280,15 +8280,8 @@
             </a:pPr>
             <a:r>
               <a:rPr lang="ru-RU" dirty="0"/>
-              <a:t>Красивый и удобный интерфейс, своевременная помощь сотрудников даже в самых непростых ситуациях – еще один шаг к укреплению  доверительных отношений между клиентом и банком!</a:t>
+              <a:t>Дальнейшее улучшение интерфейсов взаимодействия с Клиентами и внутренних интерфейсов сотрудников.</a:t>
             </a:r>
-          </a:p>
-          <a:p>
-            <a:pPr marL="285750" indent="-285750">
-              <a:buFontTx/>
-              <a:buChar char="-"/>
-            </a:pPr>
-            <a:endParaRPr lang="ru-RU" dirty="0"/>
           </a:p>
         </p:txBody>
       </p:sp>

--- a/Хакатон_УР.pptx
+++ b/Хакатон_УР.pptx
@@ -6690,6 +6690,28 @@
                 <a:ea typeface="+mj-ea"/>
                 <a:cs typeface="+mj-cs"/>
               </a:rPr>
+              <a:t>Задача </a:t>
+            </a:r>
+            <a:r>
+              <a:rPr lang="en-US" sz="6000" cap="all" dirty="0">
+                <a:solidFill>
+                  <a:prstClr val="white"/>
+                </a:solidFill>
+                <a:latin typeface="Gilroy Light" pitchFamily="50" charset="-52"/>
+                <a:ea typeface="+mj-ea"/>
+                <a:cs typeface="+mj-cs"/>
+              </a:rPr>
+              <a:t>#2: </a:t>
+            </a:r>
+            <a:r>
+              <a:rPr lang="ru-RU" sz="6000" cap="all" dirty="0">
+                <a:solidFill>
+                  <a:prstClr val="white"/>
+                </a:solidFill>
+                <a:latin typeface="Gilroy Light" pitchFamily="50" charset="-52"/>
+                <a:ea typeface="+mj-ea"/>
+                <a:cs typeface="+mj-cs"/>
+              </a:rPr>
               <a:t>Навстречу клиенту</a:t>
             </a:r>
           </a:p>
